--- a/Documentation/WorkShop.pptx
+++ b/Documentation/WorkShop.pptx
@@ -4,6 +4,9 @@
   <p:sldMasterIdLst>
     <p:sldMasterId id="2147483669" r:id="rId4"/>
   </p:sldMasterIdLst>
+  <p:notesMasterIdLst>
+    <p:notesMasterId r:id="rId21"/>
+  </p:notesMasterIdLst>
   <p:sldIdLst>
     <p:sldId id="256" r:id="rId5"/>
     <p:sldId id="257" r:id="rId6"/>
@@ -16,8 +19,8 @@
     <p:sldId id="264" r:id="rId13"/>
     <p:sldId id="266" r:id="rId14"/>
     <p:sldId id="269" r:id="rId15"/>
-    <p:sldId id="273" r:id="rId16"/>
-    <p:sldId id="274" r:id="rId17"/>
+    <p:sldId id="274" r:id="rId16"/>
+    <p:sldId id="273" r:id="rId17"/>
     <p:sldId id="275" r:id="rId18"/>
     <p:sldId id="276" r:id="rId19"/>
     <p:sldId id="260" r:id="rId20"/>
@@ -27,31 +30,31 @@
   <p:embeddedFontLst>
     <p:embeddedFont>
       <p:font typeface="Calibri" panose="020F0502020204030204" pitchFamily="34" charset="0"/>
-      <p:regular r:id="rId21"/>
-      <p:bold r:id="rId22"/>
-      <p:italic r:id="rId23"/>
-      <p:boldItalic r:id="rId24"/>
+      <p:regular r:id="rId22"/>
+      <p:bold r:id="rId23"/>
+      <p:italic r:id="rId24"/>
+      <p:boldItalic r:id="rId25"/>
     </p:embeddedFont>
     <p:embeddedFont>
       <p:font typeface="Corbel" panose="020B0503020204020204" pitchFamily="34" charset="0"/>
-      <p:regular r:id="rId25"/>
-      <p:bold r:id="rId26"/>
-      <p:italic r:id="rId27"/>
-      <p:boldItalic r:id="rId28"/>
+      <p:regular r:id="rId26"/>
+      <p:bold r:id="rId27"/>
+      <p:italic r:id="rId28"/>
+      <p:boldItalic r:id="rId29"/>
     </p:embeddedFont>
     <p:embeddedFont>
       <p:font typeface="HSHVBT+TimesNewRomanPS-BoldMT" panose="020B0604020202020204"/>
-      <p:regular r:id="rId29"/>
+      <p:regular r:id="rId30"/>
     </p:embeddedFont>
     <p:embeddedFont>
       <p:font typeface="Tahoma" panose="020B0604030504040204" pitchFamily="34" charset="0"/>
-      <p:regular r:id="rId30"/>
-      <p:bold r:id="rId31"/>
+      <p:regular r:id="rId31"/>
+      <p:bold r:id="rId32"/>
     </p:embeddedFont>
     <p:embeddedFont>
       <p:font typeface="Traditional Arabic" panose="02020603050405020304" pitchFamily="18" charset="-78"/>
-      <p:regular r:id="rId32"/>
-      <p:bold r:id="rId33"/>
+      <p:regular r:id="rId33"/>
+      <p:bold r:id="rId34"/>
     </p:embeddedFont>
   </p:embeddedFontLst>
   <p:defaultTextStyle>
@@ -178,6 +181,355 @@
     </p:extLst>
   </p:cmAuthor>
 </p:cmAuthorLst>
+</file>
+
+<file path=ppt/notesMasters/notesMaster1.xml><?xml version="1.0" encoding="utf-8"?>
+<p:notesMaster xmlns:a="http://schemas.openxmlformats.org/drawingml/2006/main" xmlns:r="http://schemas.openxmlformats.org/officeDocument/2006/relationships" xmlns:p="http://schemas.openxmlformats.org/presentationml/2006/main">
+  <p:cSld>
+    <p:bg>
+      <p:bgRef idx="1001">
+        <a:schemeClr val="bg1"/>
+      </p:bgRef>
+    </p:bg>
+    <p:spTree>
+      <p:nvGrpSpPr>
+        <p:cNvPr id="1" name=""/>
+        <p:cNvGrpSpPr/>
+        <p:nvPr/>
+      </p:nvGrpSpPr>
+      <p:grpSpPr>
+        <a:xfrm>
+          <a:off x="0" y="0"/>
+          <a:ext cx="0" cy="0"/>
+          <a:chOff x="0" y="0"/>
+          <a:chExt cx="0" cy="0"/>
+        </a:xfrm>
+      </p:grpSpPr>
+      <p:sp>
+        <p:nvSpPr>
+          <p:cNvPr id="2" name="Segnaposto intestazione 1"/>
+          <p:cNvSpPr>
+            <a:spLocks noGrp="1"/>
+          </p:cNvSpPr>
+          <p:nvPr>
+            <p:ph type="hdr" sz="quarter"/>
+          </p:nvPr>
+        </p:nvSpPr>
+        <p:spPr>
+          <a:xfrm>
+            <a:off x="0" y="0"/>
+            <a:ext cx="3962400" cy="344488"/>
+          </a:xfrm>
+          <a:prstGeom prst="rect">
+            <a:avLst/>
+          </a:prstGeom>
+        </p:spPr>
+        <p:txBody>
+          <a:bodyPr vert="horz" lIns="91440" tIns="45720" rIns="91440" bIns="45720" rtlCol="0"/>
+          <a:lstStyle>
+            <a:lvl1pPr algn="l">
+              <a:defRPr sz="1200"/>
+            </a:lvl1pPr>
+          </a:lstStyle>
+          <a:p>
+            <a:endParaRPr lang="it-IT"/>
+          </a:p>
+        </p:txBody>
+      </p:sp>
+      <p:sp>
+        <p:nvSpPr>
+          <p:cNvPr id="3" name="Segnaposto data 2"/>
+          <p:cNvSpPr>
+            <a:spLocks noGrp="1"/>
+          </p:cNvSpPr>
+          <p:nvPr>
+            <p:ph type="dt" idx="1"/>
+          </p:nvPr>
+        </p:nvSpPr>
+        <p:spPr>
+          <a:xfrm>
+            <a:off x="5180013" y="0"/>
+            <a:ext cx="3962400" cy="344488"/>
+          </a:xfrm>
+          <a:prstGeom prst="rect">
+            <a:avLst/>
+          </a:prstGeom>
+        </p:spPr>
+        <p:txBody>
+          <a:bodyPr vert="horz" lIns="91440" tIns="45720" rIns="91440" bIns="45720" rtlCol="0"/>
+          <a:lstStyle>
+            <a:lvl1pPr algn="r">
+              <a:defRPr sz="1200"/>
+            </a:lvl1pPr>
+          </a:lstStyle>
+          <a:p>
+            <a:fld id="{34B4878A-8C13-4D15-A41E-E24DA8EFAFC3}" type="datetimeFigureOut">
+              <a:rPr lang="it-IT" smtClean="0"/>
+              <a:t>03/01/2020</a:t>
+            </a:fld>
+            <a:endParaRPr lang="it-IT"/>
+          </a:p>
+        </p:txBody>
+      </p:sp>
+      <p:sp>
+        <p:nvSpPr>
+          <p:cNvPr id="4" name="Segnaposto immagine diapositiva 3"/>
+          <p:cNvSpPr>
+            <a:spLocks noGrp="1" noRot="1" noChangeAspect="1"/>
+          </p:cNvSpPr>
+          <p:nvPr>
+            <p:ph type="sldImg" idx="2"/>
+          </p:nvPr>
+        </p:nvSpPr>
+        <p:spPr>
+          <a:xfrm>
+            <a:off x="3028950" y="857250"/>
+            <a:ext cx="3086100" cy="2314575"/>
+          </a:xfrm>
+          <a:prstGeom prst="rect">
+            <a:avLst/>
+          </a:prstGeom>
+          <a:noFill/>
+          <a:ln w="12700">
+            <a:solidFill>
+              <a:prstClr val="black"/>
+            </a:solidFill>
+          </a:ln>
+        </p:spPr>
+        <p:txBody>
+          <a:bodyPr vert="horz" lIns="91440" tIns="45720" rIns="91440" bIns="45720" rtlCol="0" anchor="ctr"/>
+          <a:lstStyle/>
+          <a:p>
+            <a:endParaRPr lang="it-IT"/>
+          </a:p>
+        </p:txBody>
+      </p:sp>
+      <p:sp>
+        <p:nvSpPr>
+          <p:cNvPr id="5" name="Segnaposto note 4"/>
+          <p:cNvSpPr>
+            <a:spLocks noGrp="1"/>
+          </p:cNvSpPr>
+          <p:nvPr>
+            <p:ph type="body" sz="quarter" idx="3"/>
+          </p:nvPr>
+        </p:nvSpPr>
+        <p:spPr>
+          <a:xfrm>
+            <a:off x="914400" y="3300413"/>
+            <a:ext cx="7315200" cy="2700337"/>
+          </a:xfrm>
+          <a:prstGeom prst="rect">
+            <a:avLst/>
+          </a:prstGeom>
+        </p:spPr>
+        <p:txBody>
+          <a:bodyPr vert="horz" lIns="91440" tIns="45720" rIns="91440" bIns="45720" rtlCol="0"/>
+          <a:lstStyle/>
+          <a:p>
+            <a:pPr lvl="0"/>
+            <a:r>
+              <a:rPr lang="it-IT"/>
+              <a:t>Fare clic per modificare gli stili del testo dello schema</a:t>
+            </a:r>
+          </a:p>
+          <a:p>
+            <a:pPr lvl="1"/>
+            <a:r>
+              <a:rPr lang="it-IT"/>
+              <a:t>Secondo livello</a:t>
+            </a:r>
+          </a:p>
+          <a:p>
+            <a:pPr lvl="2"/>
+            <a:r>
+              <a:rPr lang="it-IT"/>
+              <a:t>Terzo livello</a:t>
+            </a:r>
+          </a:p>
+          <a:p>
+            <a:pPr lvl="3"/>
+            <a:r>
+              <a:rPr lang="it-IT"/>
+              <a:t>Quarto livello</a:t>
+            </a:r>
+          </a:p>
+          <a:p>
+            <a:pPr lvl="4"/>
+            <a:r>
+              <a:rPr lang="it-IT"/>
+              <a:t>Quinto livello</a:t>
+            </a:r>
+          </a:p>
+        </p:txBody>
+      </p:sp>
+      <p:sp>
+        <p:nvSpPr>
+          <p:cNvPr id="6" name="Segnaposto piè di pagina 5"/>
+          <p:cNvSpPr>
+            <a:spLocks noGrp="1"/>
+          </p:cNvSpPr>
+          <p:nvPr>
+            <p:ph type="ftr" sz="quarter" idx="4"/>
+          </p:nvPr>
+        </p:nvSpPr>
+        <p:spPr>
+          <a:xfrm>
+            <a:off x="0" y="6513513"/>
+            <a:ext cx="3962400" cy="344487"/>
+          </a:xfrm>
+          <a:prstGeom prst="rect">
+            <a:avLst/>
+          </a:prstGeom>
+        </p:spPr>
+        <p:txBody>
+          <a:bodyPr vert="horz" lIns="91440" tIns="45720" rIns="91440" bIns="45720" rtlCol="0" anchor="b"/>
+          <a:lstStyle>
+            <a:lvl1pPr algn="l">
+              <a:defRPr sz="1200"/>
+            </a:lvl1pPr>
+          </a:lstStyle>
+          <a:p>
+            <a:endParaRPr lang="it-IT"/>
+          </a:p>
+        </p:txBody>
+      </p:sp>
+      <p:sp>
+        <p:nvSpPr>
+          <p:cNvPr id="7" name="Segnaposto numero diapositiva 6"/>
+          <p:cNvSpPr>
+            <a:spLocks noGrp="1"/>
+          </p:cNvSpPr>
+          <p:nvPr>
+            <p:ph type="sldNum" sz="quarter" idx="5"/>
+          </p:nvPr>
+        </p:nvSpPr>
+        <p:spPr>
+          <a:xfrm>
+            <a:off x="5180013" y="6513513"/>
+            <a:ext cx="3962400" cy="344487"/>
+          </a:xfrm>
+          <a:prstGeom prst="rect">
+            <a:avLst/>
+          </a:prstGeom>
+        </p:spPr>
+        <p:txBody>
+          <a:bodyPr vert="horz" lIns="91440" tIns="45720" rIns="91440" bIns="45720" rtlCol="0" anchor="b"/>
+          <a:lstStyle>
+            <a:lvl1pPr algn="r">
+              <a:defRPr sz="1200"/>
+            </a:lvl1pPr>
+          </a:lstStyle>
+          <a:p>
+            <a:fld id="{4C73CA96-047F-46C9-BE89-1A08B044F4DE}" type="slidenum">
+              <a:rPr lang="it-IT" smtClean="0"/>
+              <a:t>‹N›</a:t>
+            </a:fld>
+            <a:endParaRPr lang="it-IT"/>
+          </a:p>
+        </p:txBody>
+      </p:sp>
+    </p:spTree>
+    <p:extLst>
+      <p:ext uri="{BB962C8B-B14F-4D97-AF65-F5344CB8AC3E}">
+        <p14:creationId xmlns:p14="http://schemas.microsoft.com/office/powerpoint/2010/main" val="3620138399"/>
+      </p:ext>
+    </p:extLst>
+  </p:cSld>
+  <p:clrMap bg1="lt1" tx1="dk1" bg2="lt2" tx2="dk2" accent1="accent1" accent2="accent2" accent3="accent3" accent4="accent4" accent5="accent5" accent6="accent6" hlink="hlink" folHlink="folHlink"/>
+  <p:notesStyle>
+    <a:lvl1pPr marL="0" algn="l" defTabSz="914400" rtl="0" eaLnBrk="1" latinLnBrk="0" hangingPunct="1">
+      <a:defRPr sz="1200" kern="1200">
+        <a:solidFill>
+          <a:schemeClr val="tx1"/>
+        </a:solidFill>
+        <a:latin typeface="+mn-lt"/>
+        <a:ea typeface="+mn-ea"/>
+        <a:cs typeface="+mn-cs"/>
+      </a:defRPr>
+    </a:lvl1pPr>
+    <a:lvl2pPr marL="457200" algn="l" defTabSz="914400" rtl="0" eaLnBrk="1" latinLnBrk="0" hangingPunct="1">
+      <a:defRPr sz="1200" kern="1200">
+        <a:solidFill>
+          <a:schemeClr val="tx1"/>
+        </a:solidFill>
+        <a:latin typeface="+mn-lt"/>
+        <a:ea typeface="+mn-ea"/>
+        <a:cs typeface="+mn-cs"/>
+      </a:defRPr>
+    </a:lvl2pPr>
+    <a:lvl3pPr marL="914400" algn="l" defTabSz="914400" rtl="0" eaLnBrk="1" latinLnBrk="0" hangingPunct="1">
+      <a:defRPr sz="1200" kern="1200">
+        <a:solidFill>
+          <a:schemeClr val="tx1"/>
+        </a:solidFill>
+        <a:latin typeface="+mn-lt"/>
+        <a:ea typeface="+mn-ea"/>
+        <a:cs typeface="+mn-cs"/>
+      </a:defRPr>
+    </a:lvl3pPr>
+    <a:lvl4pPr marL="1371600" algn="l" defTabSz="914400" rtl="0" eaLnBrk="1" latinLnBrk="0" hangingPunct="1">
+      <a:defRPr sz="1200" kern="1200">
+        <a:solidFill>
+          <a:schemeClr val="tx1"/>
+        </a:solidFill>
+        <a:latin typeface="+mn-lt"/>
+        <a:ea typeface="+mn-ea"/>
+        <a:cs typeface="+mn-cs"/>
+      </a:defRPr>
+    </a:lvl4pPr>
+    <a:lvl5pPr marL="1828800" algn="l" defTabSz="914400" rtl="0" eaLnBrk="1" latinLnBrk="0" hangingPunct="1">
+      <a:defRPr sz="1200" kern="1200">
+        <a:solidFill>
+          <a:schemeClr val="tx1"/>
+        </a:solidFill>
+        <a:latin typeface="+mn-lt"/>
+        <a:ea typeface="+mn-ea"/>
+        <a:cs typeface="+mn-cs"/>
+      </a:defRPr>
+    </a:lvl5pPr>
+    <a:lvl6pPr marL="2286000" algn="l" defTabSz="914400" rtl="0" eaLnBrk="1" latinLnBrk="0" hangingPunct="1">
+      <a:defRPr sz="1200" kern="1200">
+        <a:solidFill>
+          <a:schemeClr val="tx1"/>
+        </a:solidFill>
+        <a:latin typeface="+mn-lt"/>
+        <a:ea typeface="+mn-ea"/>
+        <a:cs typeface="+mn-cs"/>
+      </a:defRPr>
+    </a:lvl6pPr>
+    <a:lvl7pPr marL="2743200" algn="l" defTabSz="914400" rtl="0" eaLnBrk="1" latinLnBrk="0" hangingPunct="1">
+      <a:defRPr sz="1200" kern="1200">
+        <a:solidFill>
+          <a:schemeClr val="tx1"/>
+        </a:solidFill>
+        <a:latin typeface="+mn-lt"/>
+        <a:ea typeface="+mn-ea"/>
+        <a:cs typeface="+mn-cs"/>
+      </a:defRPr>
+    </a:lvl7pPr>
+    <a:lvl8pPr marL="3200400" algn="l" defTabSz="914400" rtl="0" eaLnBrk="1" latinLnBrk="0" hangingPunct="1">
+      <a:defRPr sz="1200" kern="1200">
+        <a:solidFill>
+          <a:schemeClr val="tx1"/>
+        </a:solidFill>
+        <a:latin typeface="+mn-lt"/>
+        <a:ea typeface="+mn-ea"/>
+        <a:cs typeface="+mn-cs"/>
+      </a:defRPr>
+    </a:lvl8pPr>
+    <a:lvl9pPr marL="3657600" algn="l" defTabSz="914400" rtl="0" eaLnBrk="1" latinLnBrk="0" hangingPunct="1">
+      <a:defRPr sz="1200" kern="1200">
+        <a:solidFill>
+          <a:schemeClr val="tx1"/>
+        </a:solidFill>
+        <a:latin typeface="+mn-lt"/>
+        <a:ea typeface="+mn-ea"/>
+        <a:cs typeface="+mn-cs"/>
+      </a:defRPr>
+    </a:lvl9pPr>
+  </p:notesStyle>
+</p:notesMaster>
 </file>
 
 <file path=ppt/slideLayouts/slideLayout1.xml><?xml version="1.0" encoding="utf-8"?>
@@ -696,7 +1048,7 @@
           <a:p>
             <a:fld id="{1D8BD707-D9CF-40AE-B4C6-C98DA3205C09}" type="datetimeFigureOut">
               <a:rPr lang="en-US" smtClean="0"/>
-              <a:t>1/2/2020</a:t>
+              <a:t>1/3/2020</a:t>
             </a:fld>
             <a:endParaRPr lang="en-US"/>
           </a:p>
@@ -797,7 +1149,7 @@
           </a:ln>
           <a:extLst>
             <a:ext uri="{91240B29-F687-4f45-9708-019B960494DF}">
-              <a14:hiddenLine xmlns:a14="http://schemas.microsoft.com/office/drawing/2010/main" xmlns="" w="9525">
+              <a14:hiddenLine xmlns="" xmlns:a14="http://schemas.microsoft.com/office/drawing/2010/main" w="9525">
                 <a:solidFill>
                   <a:srgbClr val="000000"/>
                 </a:solidFill>
@@ -852,7 +1204,7 @@
           </a:ln>
           <a:extLst>
             <a:ext uri="{91240B29-F687-4f45-9708-019B960494DF}">
-              <a14:hiddenLine xmlns:a14="http://schemas.microsoft.com/office/drawing/2010/main" xmlns="" w="9525">
+              <a14:hiddenLine xmlns="" xmlns:a14="http://schemas.microsoft.com/office/drawing/2010/main" w="9525">
                 <a:solidFill>
                   <a:srgbClr val="000000"/>
                 </a:solidFill>
@@ -1107,7 +1459,7 @@
           <a:p>
             <a:fld id="{1D8BD707-D9CF-40AE-B4C6-C98DA3205C09}" type="datetimeFigureOut">
               <a:rPr lang="en-US" smtClean="0"/>
-              <a:t>1/2/2020</a:t>
+              <a:t>1/3/2020</a:t>
             </a:fld>
             <a:endParaRPr lang="en-US"/>
           </a:p>
@@ -1355,7 +1707,7 @@
           <a:p>
             <a:fld id="{1D8BD707-D9CF-40AE-B4C6-C98DA3205C09}" type="datetimeFigureOut">
               <a:rPr lang="en-US" smtClean="0"/>
-              <a:t>1/2/2020</a:t>
+              <a:t>1/3/2020</a:t>
             </a:fld>
             <a:endParaRPr lang="en-US"/>
           </a:p>
@@ -1895,7 +2247,7 @@
           <a:p>
             <a:fld id="{1D8BD707-D9CF-40AE-B4C6-C98DA3205C09}" type="datetimeFigureOut">
               <a:rPr lang="en-US" smtClean="0"/>
-              <a:t>1/2/2020</a:t>
+              <a:t>1/3/2020</a:t>
             </a:fld>
             <a:endParaRPr lang="en-US"/>
           </a:p>
@@ -2143,7 +2495,7 @@
           <a:p>
             <a:fld id="{1D8BD707-D9CF-40AE-B4C6-C98DA3205C09}" type="datetimeFigureOut">
               <a:rPr lang="en-US" smtClean="0"/>
-              <a:t>1/2/2020</a:t>
+              <a:t>1/3/2020</a:t>
             </a:fld>
             <a:endParaRPr lang="en-US"/>
           </a:p>
@@ -2675,7 +3027,7 @@
           <a:p>
             <a:fld id="{1D8BD707-D9CF-40AE-B4C6-C98DA3205C09}" type="datetimeFigureOut">
               <a:rPr lang="en-US" smtClean="0"/>
-              <a:t>1/2/2020</a:t>
+              <a:t>1/3/2020</a:t>
             </a:fld>
             <a:endParaRPr lang="en-US"/>
           </a:p>
@@ -2972,7 +3324,7 @@
           <a:p>
             <a:fld id="{1D8BD707-D9CF-40AE-B4C6-C98DA3205C09}" type="datetimeFigureOut">
               <a:rPr lang="en-US" smtClean="0"/>
-              <a:t>1/2/2020</a:t>
+              <a:t>1/3/2020</a:t>
             </a:fld>
             <a:endParaRPr lang="en-US"/>
           </a:p>
@@ -3146,7 +3498,7 @@
           <a:p>
             <a:fld id="{1D8BD707-D9CF-40AE-B4C6-C98DA3205C09}" type="datetimeFigureOut">
               <a:rPr lang="en-US" smtClean="0"/>
-              <a:t>1/2/2020</a:t>
+              <a:t>1/3/2020</a:t>
             </a:fld>
             <a:endParaRPr lang="en-US"/>
           </a:p>
@@ -3326,7 +3678,7 @@
           <a:p>
             <a:fld id="{1D8BD707-D9CF-40AE-B4C6-C98DA3205C09}" type="datetimeFigureOut">
               <a:rPr lang="en-US" smtClean="0"/>
-              <a:t>1/2/2020</a:t>
+              <a:t>1/3/2020</a:t>
             </a:fld>
             <a:endParaRPr lang="en-US"/>
           </a:p>
@@ -3494,7 +3846,7 @@
           <a:p>
             <a:fld id="{C16525B2-4347-4F72-BAF7-76B19438D329}" type="datetimeFigureOut">
               <a:rPr lang="en-US" smtClean="0"/>
-              <a:t>1/2/2020</a:t>
+              <a:t>1/3/2020</a:t>
             </a:fld>
             <a:endParaRPr lang="en-US"/>
           </a:p>
@@ -3679,7 +4031,7 @@
           <a:p>
             <a:fld id="{1D8BD707-D9CF-40AE-B4C6-C98DA3205C09}" type="datetimeFigureOut">
               <a:rPr lang="en-US" smtClean="0"/>
-              <a:t>1/2/2020</a:t>
+              <a:t>1/3/2020</a:t>
             </a:fld>
             <a:endParaRPr lang="en-US"/>
           </a:p>
@@ -3935,7 +4287,7 @@
           <a:p>
             <a:fld id="{1D8BD707-D9CF-40AE-B4C6-C98DA3205C09}" type="datetimeFigureOut">
               <a:rPr lang="en-US" smtClean="0"/>
-              <a:t>1/2/2020</a:t>
+              <a:t>1/3/2020</a:t>
             </a:fld>
             <a:endParaRPr lang="en-US"/>
           </a:p>
@@ -4237,7 +4589,7 @@
           <a:p>
             <a:fld id="{1D8BD707-D9CF-40AE-B4C6-C98DA3205C09}" type="datetimeFigureOut">
               <a:rPr lang="en-US" smtClean="0"/>
-              <a:t>1/2/2020</a:t>
+              <a:t>1/3/2020</a:t>
             </a:fld>
             <a:endParaRPr lang="en-US"/>
           </a:p>
@@ -4679,7 +5031,7 @@
           <a:p>
             <a:fld id="{1D8BD707-D9CF-40AE-B4C6-C98DA3205C09}" type="datetimeFigureOut">
               <a:rPr lang="en-US" smtClean="0"/>
-              <a:t>1/2/2020</a:t>
+              <a:t>1/3/2020</a:t>
             </a:fld>
             <a:endParaRPr lang="en-US"/>
           </a:p>
@@ -4797,7 +5149,7 @@
           <a:p>
             <a:fld id="{1D8BD707-D9CF-40AE-B4C6-C98DA3205C09}" type="datetimeFigureOut">
               <a:rPr lang="en-US" smtClean="0"/>
-              <a:t>1/2/2020</a:t>
+              <a:t>1/3/2020</a:t>
             </a:fld>
             <a:endParaRPr lang="en-US"/>
           </a:p>
@@ -4892,7 +5244,7 @@
           <a:p>
             <a:fld id="{1D8BD707-D9CF-40AE-B4C6-C98DA3205C09}" type="datetimeFigureOut">
               <a:rPr lang="en-US" smtClean="0"/>
-              <a:t>1/2/2020</a:t>
+              <a:t>1/3/2020</a:t>
             </a:fld>
             <a:endParaRPr lang="en-US"/>
           </a:p>
@@ -5175,7 +5527,7 @@
           <a:p>
             <a:fld id="{1D8BD707-D9CF-40AE-B4C6-C98DA3205C09}" type="datetimeFigureOut">
               <a:rPr lang="en-US" smtClean="0"/>
-              <a:t>1/2/2020</a:t>
+              <a:t>1/3/2020</a:t>
             </a:fld>
             <a:endParaRPr lang="en-US"/>
           </a:p>
@@ -5466,7 +5818,7 @@
           <a:p>
             <a:fld id="{1D8BD707-D9CF-40AE-B4C6-C98DA3205C09}" type="datetimeFigureOut">
               <a:rPr lang="en-US" smtClean="0"/>
-              <a:t>1/2/2020</a:t>
+              <a:t>1/3/2020</a:t>
             </a:fld>
             <a:endParaRPr lang="en-US"/>
           </a:p>
@@ -5999,7 +6351,7 @@
           <a:p>
             <a:fld id="{1D8BD707-D9CF-40AE-B4C6-C98DA3205C09}" type="datetimeFigureOut">
               <a:rPr lang="en-US" smtClean="0"/>
-              <a:t>1/2/2020</a:t>
+              <a:t>1/3/2020</a:t>
             </a:fld>
             <a:endParaRPr lang="en-US"/>
           </a:p>
@@ -6751,7 +7103,7 @@
         <p:spPr>
           <a:xfrm>
             <a:off x="4107876" y="2820529"/>
-            <a:ext cx="1389756" cy="745589"/>
+            <a:ext cx="1389756" cy="394019"/>
           </a:xfrm>
           <a:prstGeom prst="rect">
             <a:avLst/>
@@ -6775,49 +7127,16 @@
               </a:spcAft>
             </a:pPr>
             <a:r>
-              <a:rPr sz="2800" b="1" dirty="0" err="1">
+              <a:rPr lang="it-IT" sz="3400" b="1" dirty="0">
                 <a:solidFill>
                   <a:srgbClr val="0D92A2"/>
                 </a:solidFill>
                 <a:latin typeface="Calibri"/>
                 <a:cs typeface="Calibri"/>
               </a:rPr>
-              <a:t>Titolo</a:t>
-            </a:r>
-            <a:r>
-              <a:rPr lang="it-IT" sz="2800" b="1" dirty="0">
-                <a:solidFill>
-                  <a:srgbClr val="0D92A2"/>
-                </a:solidFill>
-                <a:latin typeface="Calibri"/>
-                <a:cs typeface="Calibri"/>
-              </a:rPr>
-              <a:t>:</a:t>
-            </a:r>
-          </a:p>
-          <a:p>
-            <a:pPr marL="0" marR="0">
-              <a:lnSpc>
-                <a:spcPts val="2917"/>
-              </a:lnSpc>
-              <a:spcBef>
-                <a:spcPts val="0"/>
-              </a:spcBef>
-              <a:spcAft>
-                <a:spcPts val="0"/>
-              </a:spcAft>
-            </a:pPr>
-            <a:r>
-              <a:rPr lang="it-IT" sz="2800" b="1" dirty="0">
-                <a:solidFill>
-                  <a:srgbClr val="0D92A2"/>
-                </a:solidFill>
-                <a:latin typeface="Calibri"/>
-                <a:cs typeface="Calibri"/>
-              </a:rPr>
               <a:t>Next</a:t>
             </a:r>
-            <a:endParaRPr sz="2800" b="1" dirty="0">
+            <a:endParaRPr sz="3400" b="1" dirty="0">
               <a:solidFill>
                 <a:srgbClr val="0D92A2"/>
               </a:solidFill>
@@ -9019,10 +9338,10 @@
       </p:sp>
       <p:pic>
         <p:nvPicPr>
-          <p:cNvPr id="8" name="Immagine 7">
+          <p:cNvPr id="7" name="Immagine 6">
             <a:extLst>
               <a:ext uri="{FF2B5EF4-FFF2-40B4-BE49-F238E27FC236}">
-                <a16:creationId xmlns:a16="http://schemas.microsoft.com/office/drawing/2014/main" id="{2A4E700C-8EF2-469E-AD41-6A1FB259D289}"/>
+                <a16:creationId xmlns:a16="http://schemas.microsoft.com/office/drawing/2014/main" id="{533AA5BD-2782-4B0D-A2D6-CD6C92C8E1B7}"/>
               </a:ext>
             </a:extLst>
           </p:cNvPr>
@@ -9055,10 +9374,10 @@
       </p:pic>
       <p:sp>
         <p:nvSpPr>
-          <p:cNvPr id="9" name="CasellaDiTesto 8">
+          <p:cNvPr id="8" name="CasellaDiTesto 7">
             <a:extLst>
               <a:ext uri="{FF2B5EF4-FFF2-40B4-BE49-F238E27FC236}">
-                <a16:creationId xmlns:a16="http://schemas.microsoft.com/office/drawing/2014/main" id="{CD4B0CA1-7CA5-41DA-98CF-2A3852C7680C}"/>
+                <a16:creationId xmlns:a16="http://schemas.microsoft.com/office/drawing/2014/main" id="{CDEE28B3-4496-4BA5-A41B-8925973966C1}"/>
               </a:ext>
             </a:extLst>
           </p:cNvPr>
@@ -9067,8 +9386,8 @@
         </p:nvSpPr>
         <p:spPr>
           <a:xfrm>
-            <a:off x="539552" y="6562274"/>
-            <a:ext cx="605528" cy="307777"/>
+            <a:off x="7627125" y="6635824"/>
+            <a:ext cx="977323" cy="307777"/>
           </a:xfrm>
           <a:prstGeom prst="rect">
             <a:avLst/>
@@ -9081,62 +9400,133 @@
           </a:bodyPr>
           <a:lstStyle/>
           <a:p>
-            <a:r>
-              <a:rPr lang="it-IT" sz="1400" dirty="0"/>
-              <a:t>Next</a:t>
-            </a:r>
-          </a:p>
-        </p:txBody>
-      </p:sp>
-      <p:sp>
-        <p:nvSpPr>
-          <p:cNvPr id="10" name="CasellaDiTesto 9">
+            <a:pPr algn="ctr"/>
+            <a:r>
+              <a:rPr lang="it-IT" sz="1400" dirty="0">
+                <a:latin typeface="Times New Roman" panose="02020603050405020304" pitchFamily="18" charset="0"/>
+                <a:cs typeface="Times New Roman" panose="02020603050405020304" pitchFamily="18" charset="0"/>
+              </a:rPr>
+              <a:t>T6</a:t>
+            </a:r>
+          </a:p>
+        </p:txBody>
+      </p:sp>
+      <p:pic>
+        <p:nvPicPr>
+          <p:cNvPr id="9" name="Immagine 8" descr="Immagine che contiene screenshot, nero, monitor, schermo&#10;&#10;Descrizione generata automaticamente">
             <a:extLst>
               <a:ext uri="{FF2B5EF4-FFF2-40B4-BE49-F238E27FC236}">
-                <a16:creationId xmlns:a16="http://schemas.microsoft.com/office/drawing/2014/main" id="{CCD5673A-53EC-42C9-8B95-2E9123143260}"/>
+                <a16:creationId xmlns:a16="http://schemas.microsoft.com/office/drawing/2014/main" id="{54BF28B1-10AE-4D87-9DFB-EB2FCB4EE870}"/>
               </a:ext>
             </a:extLst>
           </p:cNvPr>
-          <p:cNvSpPr txBox="1"/>
-          <p:nvPr/>
-        </p:nvSpPr>
-        <p:spPr>
-          <a:xfrm>
-            <a:off x="7627125" y="6635824"/>
-            <a:ext cx="977323" cy="307777"/>
-          </a:xfrm>
-          <a:prstGeom prst="rect">
-            <a:avLst/>
-          </a:prstGeom>
-          <a:noFill/>
-        </p:spPr>
-        <p:txBody>
-          <a:bodyPr wrap="square" rtlCol="0">
-            <a:spAutoFit/>
-          </a:bodyPr>
-          <a:lstStyle/>
-          <a:p>
-            <a:pPr algn="ctr"/>
-            <a:r>
-              <a:rPr lang="it-IT" sz="1400" dirty="0">
-                <a:latin typeface="Times New Roman" panose="02020603050405020304" pitchFamily="18" charset="0"/>
-                <a:cs typeface="Times New Roman" panose="02020603050405020304" pitchFamily="18" charset="0"/>
-              </a:rPr>
-              <a:t>T6</a:t>
-            </a:r>
-          </a:p>
-        </p:txBody>
-      </p:sp>
+          <p:cNvPicPr>
+            <a:picLocks noChangeAspect="1"/>
+          </p:cNvPicPr>
+          <p:nvPr/>
+        </p:nvPicPr>
+        <p:blipFill>
+          <a:blip r:embed="rId4">
+            <a:extLst>
+              <a:ext uri="{28A0092B-C50C-407E-A947-70E740481C1C}">
+                <a14:useLocalDpi xmlns:a14="http://schemas.microsoft.com/office/drawing/2010/main" val="0"/>
+              </a:ext>
+            </a:extLst>
+          </a:blip>
+          <a:stretch>
+            <a:fillRect/>
+          </a:stretch>
+        </p:blipFill>
+        <p:spPr>
+          <a:xfrm>
+            <a:off x="67092" y="863922"/>
+            <a:ext cx="11849724" cy="5983084"/>
+          </a:xfrm>
+          <a:prstGeom prst="rect">
+            <a:avLst/>
+          </a:prstGeom>
+        </p:spPr>
+      </p:pic>
     </p:spTree>
     <p:extLst>
       <p:ext uri="{BB962C8B-B14F-4D97-AF65-F5344CB8AC3E}">
-        <p14:creationId xmlns:p14="http://schemas.microsoft.com/office/powerpoint/2010/main" val="3648382180"/>
+        <p14:creationId xmlns:p14="http://schemas.microsoft.com/office/powerpoint/2010/main" val="1265015783"/>
       </p:ext>
     </p:extLst>
   </p:cSld>
   <p:clrMapOvr>
     <a:masterClrMapping/>
   </p:clrMapOvr>
+  <p:timing>
+    <p:tnLst>
+      <p:par>
+        <p:cTn id="1" dur="indefinite" restart="never" nodeType="tmRoot">
+          <p:childTnLst>
+            <p:seq concurrent="1" nextAc="seek">
+              <p:cTn id="2" dur="indefinite" nodeType="mainSeq">
+                <p:childTnLst>
+                  <p:par>
+                    <p:cTn id="3" fill="hold">
+                      <p:stCondLst>
+                        <p:cond delay="indefinite"/>
+                      </p:stCondLst>
+                      <p:childTnLst>
+                        <p:par>
+                          <p:cTn id="4" fill="hold">
+                            <p:stCondLst>
+                              <p:cond delay="0"/>
+                            </p:stCondLst>
+                            <p:childTnLst>
+                              <p:par>
+                                <p:cTn id="5" presetID="42" presetClass="path" presetSubtype="0" accel="50000" decel="50000" fill="hold" nodeType="clickEffect">
+                                  <p:stCondLst>
+                                    <p:cond delay="0"/>
+                                  </p:stCondLst>
+                                  <p:childTnLst>
+                                    <p:animMotion origin="layout" path="M 1.66667E-6 2.96296E-6 L -0.32066 0.00092 " pathEditMode="relative" rAng="0" ptsTypes="AA">
+                                      <p:cBhvr>
+                                        <p:cTn id="6" dur="2000" fill="hold"/>
+                                        <p:tgtEl>
+                                          <p:spTgt spid="9"/>
+                                        </p:tgtEl>
+                                        <p:attrNameLst>
+                                          <p:attrName>ppt_x</p:attrName>
+                                          <p:attrName>ppt_y</p:attrName>
+                                        </p:attrNameLst>
+                                      </p:cBhvr>
+                                      <p:rCtr x="-16042" y="46"/>
+                                    </p:animMotion>
+                                  </p:childTnLst>
+                                </p:cTn>
+                              </p:par>
+                            </p:childTnLst>
+                          </p:cTn>
+                        </p:par>
+                      </p:childTnLst>
+                    </p:cTn>
+                  </p:par>
+                </p:childTnLst>
+              </p:cTn>
+              <p:prevCondLst>
+                <p:cond evt="onPrev" delay="0">
+                  <p:tgtEl>
+                    <p:sldTgt/>
+                  </p:tgtEl>
+                </p:cond>
+              </p:prevCondLst>
+              <p:nextCondLst>
+                <p:cond evt="onNext" delay="0">
+                  <p:tgtEl>
+                    <p:sldTgt/>
+                  </p:tgtEl>
+                </p:cond>
+              </p:nextCondLst>
+            </p:seq>
+          </p:childTnLst>
+        </p:cTn>
+      </p:par>
+    </p:tnLst>
+  </p:timing>
 </p:sld>
 </file>
 
@@ -9387,10 +9777,10 @@
       </p:sp>
       <p:pic>
         <p:nvPicPr>
-          <p:cNvPr id="7" name="Immagine 6">
+          <p:cNvPr id="8" name="Immagine 7">
             <a:extLst>
               <a:ext uri="{FF2B5EF4-FFF2-40B4-BE49-F238E27FC236}">
-                <a16:creationId xmlns:a16="http://schemas.microsoft.com/office/drawing/2014/main" id="{533AA5BD-2782-4B0D-A2D6-CD6C92C8E1B7}"/>
+                <a16:creationId xmlns:a16="http://schemas.microsoft.com/office/drawing/2014/main" id="{2A4E700C-8EF2-469E-AD41-6A1FB259D289}"/>
               </a:ext>
             </a:extLst>
           </p:cNvPr>
@@ -9423,10 +9813,10 @@
       </p:pic>
       <p:sp>
         <p:nvSpPr>
-          <p:cNvPr id="8" name="CasellaDiTesto 7">
+          <p:cNvPr id="9" name="CasellaDiTesto 8">
             <a:extLst>
               <a:ext uri="{FF2B5EF4-FFF2-40B4-BE49-F238E27FC236}">
-                <a16:creationId xmlns:a16="http://schemas.microsoft.com/office/drawing/2014/main" id="{CDEE28B3-4496-4BA5-A41B-8925973966C1}"/>
+                <a16:creationId xmlns:a16="http://schemas.microsoft.com/office/drawing/2014/main" id="{CD4B0CA1-7CA5-41DA-98CF-2A3852C7680C}"/>
               </a:ext>
             </a:extLst>
           </p:cNvPr>
@@ -9435,8 +9825,8 @@
         </p:nvSpPr>
         <p:spPr>
           <a:xfrm>
-            <a:off x="7627125" y="6635824"/>
-            <a:ext cx="977323" cy="307777"/>
+            <a:off x="539552" y="6562274"/>
+            <a:ext cx="605528" cy="307777"/>
           </a:xfrm>
           <a:prstGeom prst="rect">
             <a:avLst/>
@@ -9449,6 +9839,41 @@
           </a:bodyPr>
           <a:lstStyle/>
           <a:p>
+            <a:r>
+              <a:rPr lang="it-IT" sz="1400" dirty="0"/>
+              <a:t>Next</a:t>
+            </a:r>
+          </a:p>
+        </p:txBody>
+      </p:sp>
+      <p:sp>
+        <p:nvSpPr>
+          <p:cNvPr id="10" name="CasellaDiTesto 9">
+            <a:extLst>
+              <a:ext uri="{FF2B5EF4-FFF2-40B4-BE49-F238E27FC236}">
+                <a16:creationId xmlns:a16="http://schemas.microsoft.com/office/drawing/2014/main" id="{CCD5673A-53EC-42C9-8B95-2E9123143260}"/>
+              </a:ext>
+            </a:extLst>
+          </p:cNvPr>
+          <p:cNvSpPr txBox="1"/>
+          <p:nvPr/>
+        </p:nvSpPr>
+        <p:spPr>
+          <a:xfrm>
+            <a:off x="7627125" y="6635824"/>
+            <a:ext cx="977323" cy="307777"/>
+          </a:xfrm>
+          <a:prstGeom prst="rect">
+            <a:avLst/>
+          </a:prstGeom>
+          <a:noFill/>
+        </p:spPr>
+        <p:txBody>
+          <a:bodyPr wrap="square" rtlCol="0">
+            <a:spAutoFit/>
+          </a:bodyPr>
+          <a:lstStyle/>
+          <a:p>
             <a:pPr algn="ctr"/>
             <a:r>
               <a:rPr lang="it-IT" sz="1400" dirty="0">
@@ -9460,16 +9885,122 @@
           </a:p>
         </p:txBody>
       </p:sp>
+      <p:pic>
+        <p:nvPicPr>
+          <p:cNvPr id="11" name="Immagine 10" descr="Immagine che contiene screenshot, sedendo, parcheggiato, schermo&#10;&#10;Descrizione generata automaticamente">
+            <a:extLst>
+              <a:ext uri="{FF2B5EF4-FFF2-40B4-BE49-F238E27FC236}">
+                <a16:creationId xmlns:a16="http://schemas.microsoft.com/office/drawing/2014/main" id="{E4F91C38-25A0-4B70-AB0E-ED808030553D}"/>
+              </a:ext>
+            </a:extLst>
+          </p:cNvPr>
+          <p:cNvPicPr>
+            <a:picLocks noChangeAspect="1"/>
+          </p:cNvPicPr>
+          <p:nvPr/>
+        </p:nvPicPr>
+        <p:blipFill>
+          <a:blip r:embed="rId4">
+            <a:extLst>
+              <a:ext uri="{28A0092B-C50C-407E-A947-70E740481C1C}">
+                <a14:useLocalDpi xmlns:a14="http://schemas.microsoft.com/office/drawing/2010/main" val="0"/>
+              </a:ext>
+            </a:extLst>
+          </a:blip>
+          <a:stretch>
+            <a:fillRect/>
+          </a:stretch>
+        </p:blipFill>
+        <p:spPr>
+          <a:xfrm>
+            <a:off x="119334" y="863922"/>
+            <a:ext cx="15246207" cy="6597526"/>
+          </a:xfrm>
+          <a:prstGeom prst="rect">
+            <a:avLst/>
+          </a:prstGeom>
+        </p:spPr>
+      </p:pic>
     </p:spTree>
     <p:extLst>
       <p:ext uri="{BB962C8B-B14F-4D97-AF65-F5344CB8AC3E}">
-        <p14:creationId xmlns:p14="http://schemas.microsoft.com/office/powerpoint/2010/main" val="1265015783"/>
+        <p14:creationId xmlns:p14="http://schemas.microsoft.com/office/powerpoint/2010/main" val="3648382180"/>
       </p:ext>
     </p:extLst>
   </p:cSld>
   <p:clrMapOvr>
     <a:masterClrMapping/>
   </p:clrMapOvr>
+  <p:timing>
+    <p:tnLst>
+      <p:par>
+        <p:cTn id="1" dur="indefinite" restart="never" nodeType="tmRoot">
+          <p:childTnLst>
+            <p:seq concurrent="1" nextAc="seek">
+              <p:cTn id="2" dur="indefinite" nodeType="mainSeq">
+                <p:childTnLst>
+                  <p:par>
+                    <p:cTn id="3" fill="hold">
+                      <p:stCondLst>
+                        <p:cond delay="indefinite"/>
+                      </p:stCondLst>
+                      <p:childTnLst>
+                        <p:par>
+                          <p:cTn id="4" fill="hold">
+                            <p:stCondLst>
+                              <p:cond delay="0"/>
+                            </p:stCondLst>
+                            <p:childTnLst>
+                              <p:par>
+                                <p:cTn id="5" presetID="42" presetClass="path" presetSubtype="0" accel="50000" decel="50000" fill="hold" nodeType="clickEffect">
+                                  <p:stCondLst>
+                                    <p:cond delay="0"/>
+                                  </p:stCondLst>
+                                  <p:childTnLst>
+                                    <p:animMotion origin="layout" path="M -1.38889E-6 -4.44444E-6 L -0.63055 0.00996 " pathEditMode="relative" rAng="0" ptsTypes="AA">
+                                      <p:cBhvr>
+                                        <p:cTn id="6" dur="2000" fill="hold"/>
+                                        <p:tgtEl>
+                                          <p:spTgt spid="11"/>
+                                        </p:tgtEl>
+                                        <p:attrNameLst>
+                                          <p:attrName>ppt_x</p:attrName>
+                                          <p:attrName>ppt_y</p:attrName>
+                                        </p:attrNameLst>
+                                      </p:cBhvr>
+                                      <p:rCtr x="-31528" y="486"/>
+                                    </p:animMotion>
+                                  </p:childTnLst>
+                                </p:cTn>
+                              </p:par>
+                            </p:childTnLst>
+                          </p:cTn>
+                        </p:par>
+                      </p:childTnLst>
+                    </p:cTn>
+                  </p:par>
+                </p:childTnLst>
+              </p:cTn>
+              <p:prevCondLst>
+                <p:cond evt="onPrev" delay="0">
+                  <p:tgtEl>
+                    <p:sldTgt/>
+                  </p:tgtEl>
+                </p:cond>
+              </p:prevCondLst>
+              <p:nextCondLst>
+                <p:cond evt="onNext" delay="0">
+                  <p:tgtEl>
+                    <p:sldTgt/>
+                  </p:tgtEl>
+                </p:cond>
+              </p:nextCondLst>
+            </p:seq>
+          </p:childTnLst>
+        </p:cTn>
+      </p:par>
+    </p:tnLst>
+  </p:timing>
 </p:sld>
 </file>
 
@@ -9828,6 +10359,42 @@
           </a:p>
         </p:txBody>
       </p:sp>
+      <p:pic>
+        <p:nvPicPr>
+          <p:cNvPr id="10" name="Immagine 9" descr="Immagine che contiene screenshot&#10;&#10;Descrizione generata automaticamente">
+            <a:extLst>
+              <a:ext uri="{FF2B5EF4-FFF2-40B4-BE49-F238E27FC236}">
+                <a16:creationId xmlns:a16="http://schemas.microsoft.com/office/drawing/2014/main" id="{C2FD35B6-3B31-4384-AF9B-29546297F4B9}"/>
+              </a:ext>
+            </a:extLst>
+          </p:cNvPr>
+          <p:cNvPicPr>
+            <a:picLocks noChangeAspect="1"/>
+          </p:cNvPicPr>
+          <p:nvPr/>
+        </p:nvPicPr>
+        <p:blipFill>
+          <a:blip r:embed="rId4">
+            <a:extLst>
+              <a:ext uri="{28A0092B-C50C-407E-A947-70E740481C1C}">
+                <a14:useLocalDpi xmlns:a14="http://schemas.microsoft.com/office/drawing/2010/main" val="0"/>
+              </a:ext>
+            </a:extLst>
+          </a:blip>
+          <a:stretch>
+            <a:fillRect/>
+          </a:stretch>
+        </p:blipFill>
+        <p:spPr>
+          <a:xfrm>
+            <a:off x="323528" y="940070"/>
+            <a:ext cx="8172400" cy="5483553"/>
+          </a:xfrm>
+          <a:prstGeom prst="rect">
+            <a:avLst/>
+          </a:prstGeom>
+        </p:spPr>
+      </p:pic>
     </p:spTree>
     <p:extLst>
       <p:ext uri="{BB962C8B-B14F-4D97-AF65-F5344CB8AC3E}">
@@ -10196,6 +10763,42 @@
           </a:p>
         </p:txBody>
       </p:sp>
+      <p:pic>
+        <p:nvPicPr>
+          <p:cNvPr id="10" name="Immagine 9" descr="Immagine che contiene screenshot, monitor, nero, sedendo&#10;&#10;Descrizione generata automaticamente">
+            <a:extLst>
+              <a:ext uri="{FF2B5EF4-FFF2-40B4-BE49-F238E27FC236}">
+                <a16:creationId xmlns:a16="http://schemas.microsoft.com/office/drawing/2014/main" id="{310B2307-A2F7-4AD0-A13E-B45F3EF81D7B}"/>
+              </a:ext>
+            </a:extLst>
+          </p:cNvPr>
+          <p:cNvPicPr>
+            <a:picLocks noChangeAspect="1"/>
+          </p:cNvPicPr>
+          <p:nvPr/>
+        </p:nvPicPr>
+        <p:blipFill>
+          <a:blip r:embed="rId4">
+            <a:extLst>
+              <a:ext uri="{28A0092B-C50C-407E-A947-70E740481C1C}">
+                <a14:useLocalDpi xmlns:a14="http://schemas.microsoft.com/office/drawing/2010/main" val="0"/>
+              </a:ext>
+            </a:extLst>
+          </a:blip>
+          <a:stretch>
+            <a:fillRect/>
+          </a:stretch>
+        </p:blipFill>
+        <p:spPr>
+          <a:xfrm>
+            <a:off x="323528" y="1521104"/>
+            <a:ext cx="8343222" cy="3787112"/>
+          </a:xfrm>
+          <a:prstGeom prst="rect">
+            <a:avLst/>
+          </a:prstGeom>
+        </p:spPr>
+      </p:pic>
     </p:spTree>
     <p:extLst>
       <p:ext uri="{BB962C8B-B14F-4D97-AF65-F5344CB8AC3E}">
@@ -10702,7 +11305,7 @@
         </p:nvSpPr>
         <p:spPr>
           <a:xfrm>
-            <a:off x="28127" y="10659"/>
+            <a:off x="0" y="1222"/>
             <a:ext cx="9144000" cy="6858000"/>
           </a:xfrm>
           <a:prstGeom prst="rect">
@@ -10765,15 +11368,18 @@
                 <a:latin typeface="Calibri"/>
                 <a:cs typeface="Calibri"/>
               </a:rPr>
-              <a:t>Sommario</a:t>
-            </a:r>
-            <a:endParaRPr lang="it-IT" sz="2400" b="1" dirty="0">
-              <a:solidFill>
-                <a:srgbClr val="1F497D"/>
-              </a:solidFill>
-              <a:latin typeface="Calibri"/>
-              <a:cs typeface="Calibri"/>
-            </a:endParaRPr>
+              <a:t>Sommari</a:t>
+            </a:r>
+            <a:r>
+              <a:rPr lang="it-IT" sz="2400" b="1" dirty="0">
+                <a:solidFill>
+                  <a:srgbClr val="1F497D"/>
+                </a:solidFill>
+                <a:latin typeface="Calibri"/>
+                <a:cs typeface="Calibri"/>
+              </a:rPr>
+              <a:t>o</a:t>
+            </a:r>
           </a:p>
           <a:p>
             <a:pPr marL="342900" marR="0" indent="-342900">
@@ -10931,278 +11537,6 @@
       </p:sp>
       <p:sp>
         <p:nvSpPr>
-          <p:cNvPr id="6" name="CasellaDiTesto 5">
-            <a:extLst>
-              <a:ext uri="{FF2B5EF4-FFF2-40B4-BE49-F238E27FC236}">
-                <a16:creationId xmlns:a16="http://schemas.microsoft.com/office/drawing/2014/main" id="{B88C34F8-AC30-4DB4-87BD-05CFD73D9660}"/>
-              </a:ext>
-            </a:extLst>
-          </p:cNvPr>
-          <p:cNvSpPr txBox="1"/>
-          <p:nvPr/>
-        </p:nvSpPr>
-        <p:spPr>
-          <a:xfrm>
-            <a:off x="-12832" y="764704"/>
-            <a:ext cx="9172126" cy="5448286"/>
-          </a:xfrm>
-          <a:prstGeom prst="rect">
-            <a:avLst/>
-          </a:prstGeom>
-          <a:blipFill>
-            <a:blip r:embed="rId3"/>
-            <a:stretch>
-              <a:fillRect/>
-            </a:stretch>
-          </a:blipFill>
-        </p:spPr>
-        <p:txBody>
-          <a:bodyPr wrap="square" rtlCol="0">
-            <a:spAutoFit/>
-          </a:bodyPr>
-          <a:lstStyle/>
-          <a:p>
-            <a:pPr marR="0">
-              <a:lnSpc>
-                <a:spcPts val="0"/>
-              </a:lnSpc>
-              <a:spcBef>
-                <a:spcPts val="4419"/>
-              </a:spcBef>
-              <a:spcAft>
-                <a:spcPts val="0"/>
-              </a:spcAft>
-            </a:pPr>
-            <a:endParaRPr lang="it-IT" dirty="0">
-              <a:solidFill>
-                <a:srgbClr val="000000"/>
-              </a:solidFill>
-              <a:latin typeface="Times New Roman" panose="02020603050405020304" pitchFamily="18" charset="0"/>
-              <a:cs typeface="Times New Roman" panose="02020603050405020304" pitchFamily="18" charset="0"/>
-            </a:endParaRPr>
-          </a:p>
-          <a:p>
-            <a:pPr marL="285750" marR="0" indent="-285750">
-              <a:lnSpc>
-                <a:spcPts val="0"/>
-              </a:lnSpc>
-              <a:spcBef>
-                <a:spcPts val="4419"/>
-              </a:spcBef>
-              <a:spcAft>
-                <a:spcPts val="0"/>
-              </a:spcAft>
-              <a:buFont typeface="Arial" panose="020B0604020202020204" pitchFamily="34" charset="0"/>
-              <a:buChar char="•"/>
-            </a:pPr>
-            <a:endParaRPr lang="it-IT" sz="2400" dirty="0">
-              <a:solidFill>
-                <a:srgbClr val="000000"/>
-              </a:solidFill>
-              <a:latin typeface="Times New Roman" panose="02020603050405020304" pitchFamily="18" charset="0"/>
-              <a:cs typeface="Times New Roman" panose="02020603050405020304" pitchFamily="18" charset="0"/>
-            </a:endParaRPr>
-          </a:p>
-          <a:p>
-            <a:pPr marL="285750" marR="0" indent="-285750">
-              <a:lnSpc>
-                <a:spcPts val="0"/>
-              </a:lnSpc>
-              <a:spcBef>
-                <a:spcPts val="4419"/>
-              </a:spcBef>
-              <a:spcAft>
-                <a:spcPts val="0"/>
-              </a:spcAft>
-              <a:buFont typeface="Arial" panose="020B0604020202020204" pitchFamily="34" charset="0"/>
-              <a:buChar char="•"/>
-            </a:pPr>
-            <a:r>
-              <a:rPr lang="it-IT" sz="2400" dirty="0">
-                <a:solidFill>
-                  <a:srgbClr val="000000"/>
-                </a:solidFill>
-                <a:latin typeface="Times New Roman" panose="02020603050405020304" pitchFamily="18" charset="0"/>
-                <a:cs typeface="Times New Roman" panose="02020603050405020304" pitchFamily="18" charset="0"/>
-              </a:rPr>
-              <a:t>Introduzione</a:t>
-            </a:r>
-          </a:p>
-          <a:p>
-            <a:pPr marL="342900" marR="0" indent="-342900">
-              <a:lnSpc>
-                <a:spcPts val="0"/>
-              </a:lnSpc>
-              <a:spcBef>
-                <a:spcPts val="4419"/>
-              </a:spcBef>
-              <a:spcAft>
-                <a:spcPts val="0"/>
-              </a:spcAft>
-              <a:buFont typeface="Arial" panose="020B0604020202020204" pitchFamily="34" charset="0"/>
-              <a:buChar char="•"/>
-            </a:pPr>
-            <a:r>
-              <a:rPr lang="it-IT" sz="2400" dirty="0">
-                <a:solidFill>
-                  <a:srgbClr val="000000"/>
-                </a:solidFill>
-                <a:latin typeface="Times New Roman" panose="02020603050405020304" pitchFamily="18" charset="0"/>
-                <a:cs typeface="Times New Roman" panose="02020603050405020304" pitchFamily="18" charset="0"/>
-              </a:rPr>
-              <a:t>Analisi:</a:t>
-            </a:r>
-          </a:p>
-          <a:p>
-            <a:pPr marR="0">
-              <a:lnSpc>
-                <a:spcPts val="0"/>
-              </a:lnSpc>
-              <a:spcBef>
-                <a:spcPts val="4419"/>
-              </a:spcBef>
-              <a:spcAft>
-                <a:spcPts val="0"/>
-              </a:spcAft>
-            </a:pPr>
-            <a:r>
-              <a:rPr lang="it-IT" sz="2400" dirty="0">
-                <a:solidFill>
-                  <a:srgbClr val="000000"/>
-                </a:solidFill>
-                <a:latin typeface="Times New Roman" panose="02020603050405020304" pitchFamily="18" charset="0"/>
-                <a:cs typeface="Times New Roman" panose="02020603050405020304" pitchFamily="18" charset="0"/>
-              </a:rPr>
-              <a:t>           1. Definizione del problema</a:t>
-            </a:r>
-          </a:p>
-          <a:p>
-            <a:pPr>
-              <a:lnSpc>
-                <a:spcPts val="0"/>
-              </a:lnSpc>
-              <a:spcBef>
-                <a:spcPts val="4419"/>
-              </a:spcBef>
-            </a:pPr>
-            <a:r>
-              <a:rPr lang="it-IT" sz="2400" dirty="0">
-                <a:solidFill>
-                  <a:srgbClr val="000000"/>
-                </a:solidFill>
-                <a:latin typeface="Times New Roman" panose="02020603050405020304" pitchFamily="18" charset="0"/>
-                <a:cs typeface="Times New Roman" panose="02020603050405020304" pitchFamily="18" charset="0"/>
-              </a:rPr>
-              <a:t>           2. Analisi del dominio</a:t>
-            </a:r>
-          </a:p>
-          <a:p>
-            <a:pPr marL="342900" marR="0" indent="-342900">
-              <a:lnSpc>
-                <a:spcPts val="0"/>
-              </a:lnSpc>
-              <a:spcBef>
-                <a:spcPts val="4419"/>
-              </a:spcBef>
-              <a:spcAft>
-                <a:spcPts val="0"/>
-              </a:spcAft>
-              <a:buFont typeface="Arial" panose="020B0604020202020204" pitchFamily="34" charset="0"/>
-              <a:buChar char="•"/>
-            </a:pPr>
-            <a:r>
-              <a:rPr lang="it-IT" sz="2400" dirty="0">
-                <a:solidFill>
-                  <a:srgbClr val="000000"/>
-                </a:solidFill>
-                <a:latin typeface="Times New Roman" panose="02020603050405020304" pitchFamily="18" charset="0"/>
-                <a:cs typeface="Times New Roman" panose="02020603050405020304" pitchFamily="18" charset="0"/>
-              </a:rPr>
-              <a:t>Tecnologie utilizzate</a:t>
-            </a:r>
-          </a:p>
-          <a:p>
-            <a:pPr marL="342900" marR="0" indent="-342900">
-              <a:lnSpc>
-                <a:spcPts val="0"/>
-              </a:lnSpc>
-              <a:spcBef>
-                <a:spcPts val="4419"/>
-              </a:spcBef>
-              <a:spcAft>
-                <a:spcPts val="0"/>
-              </a:spcAft>
-              <a:buFont typeface="Arial" panose="020B0604020202020204" pitchFamily="34" charset="0"/>
-              <a:buChar char="•"/>
-            </a:pPr>
-            <a:r>
-              <a:rPr lang="it-IT" sz="2400" dirty="0">
-                <a:solidFill>
-                  <a:srgbClr val="000000"/>
-                </a:solidFill>
-                <a:latin typeface="Times New Roman" panose="02020603050405020304" pitchFamily="18" charset="0"/>
-                <a:cs typeface="Times New Roman" panose="02020603050405020304" pitchFamily="18" charset="0"/>
-              </a:rPr>
-              <a:t>Progetto</a:t>
-            </a:r>
-          </a:p>
-          <a:p>
-            <a:pPr marL="342900" marR="0" indent="-342900">
-              <a:lnSpc>
-                <a:spcPts val="0"/>
-              </a:lnSpc>
-              <a:spcBef>
-                <a:spcPts val="4419"/>
-              </a:spcBef>
-              <a:spcAft>
-                <a:spcPts val="0"/>
-              </a:spcAft>
-              <a:buFont typeface="Arial" panose="020B0604020202020204" pitchFamily="34" charset="0"/>
-              <a:buChar char="•"/>
-            </a:pPr>
-            <a:r>
-              <a:rPr lang="it-IT" sz="2400" dirty="0">
-                <a:solidFill>
-                  <a:srgbClr val="000000"/>
-                </a:solidFill>
-                <a:latin typeface="Times New Roman" panose="02020603050405020304" pitchFamily="18" charset="0"/>
-                <a:cs typeface="Times New Roman" panose="02020603050405020304" pitchFamily="18" charset="0"/>
-              </a:rPr>
-              <a:t>Validazione</a:t>
-            </a:r>
-          </a:p>
-          <a:p>
-            <a:pPr marL="342900" marR="0" indent="-342900">
-              <a:lnSpc>
-                <a:spcPts val="0"/>
-              </a:lnSpc>
-              <a:spcBef>
-                <a:spcPts val="4419"/>
-              </a:spcBef>
-              <a:spcAft>
-                <a:spcPts val="0"/>
-              </a:spcAft>
-              <a:buFont typeface="Arial" panose="020B0604020202020204" pitchFamily="34" charset="0"/>
-              <a:buChar char="•"/>
-            </a:pPr>
-            <a:r>
-              <a:rPr lang="it-IT" sz="2400" dirty="0">
-                <a:solidFill>
-                  <a:srgbClr val="000000"/>
-                </a:solidFill>
-                <a:latin typeface="Times New Roman" panose="02020603050405020304" pitchFamily="18" charset="0"/>
-                <a:cs typeface="Times New Roman" panose="02020603050405020304" pitchFamily="18" charset="0"/>
-              </a:rPr>
-              <a:t>Conclusioni e sviluppi futuri</a:t>
-            </a:r>
-          </a:p>
-          <a:p>
-            <a:endParaRPr lang="it-IT" dirty="0"/>
-          </a:p>
-        </p:txBody>
-      </p:sp>
-      <p:sp>
-        <p:nvSpPr>
           <p:cNvPr id="7" name="CasellaDiTesto 6">
             <a:extLst>
               <a:ext uri="{FF2B5EF4-FFF2-40B4-BE49-F238E27FC236}">
@@ -11250,7 +11584,7 @@
         </p:nvSpPr>
         <p:spPr>
           <a:xfrm>
-            <a:off x="7627125" y="6635824"/>
+            <a:off x="7611831" y="6545329"/>
             <a:ext cx="977323" cy="307777"/>
           </a:xfrm>
           <a:prstGeom prst="rect">
@@ -11272,6 +11606,268 @@
               </a:rPr>
               <a:t>T6</a:t>
             </a:r>
+          </a:p>
+        </p:txBody>
+      </p:sp>
+      <p:sp>
+        <p:nvSpPr>
+          <p:cNvPr id="13" name="CasellaDiTesto 12">
+            <a:extLst>
+              <a:ext uri="{FF2B5EF4-FFF2-40B4-BE49-F238E27FC236}">
+                <a16:creationId xmlns:a16="http://schemas.microsoft.com/office/drawing/2014/main" id="{2C906E8B-EEE1-4872-AD91-7BEB4AE101D9}"/>
+              </a:ext>
+            </a:extLst>
+          </p:cNvPr>
+          <p:cNvSpPr txBox="1"/>
+          <p:nvPr/>
+        </p:nvSpPr>
+        <p:spPr>
+          <a:xfrm>
+            <a:off x="-1" y="755826"/>
+            <a:ext cx="9144000" cy="5042902"/>
+          </a:xfrm>
+          <a:prstGeom prst="rect">
+            <a:avLst/>
+          </a:prstGeom>
+          <a:blipFill>
+            <a:blip r:embed="rId3"/>
+            <a:stretch>
+              <a:fillRect/>
+            </a:stretch>
+          </a:blipFill>
+        </p:spPr>
+        <p:txBody>
+          <a:bodyPr wrap="square" rtlCol="0">
+            <a:spAutoFit/>
+          </a:bodyPr>
+          <a:lstStyle/>
+          <a:p>
+            <a:endParaRPr lang="it-IT" dirty="0"/>
+          </a:p>
+        </p:txBody>
+      </p:sp>
+      <p:sp>
+        <p:nvSpPr>
+          <p:cNvPr id="12" name="CasellaDiTesto 11">
+            <a:extLst>
+              <a:ext uri="{FF2B5EF4-FFF2-40B4-BE49-F238E27FC236}">
+                <a16:creationId xmlns:a16="http://schemas.microsoft.com/office/drawing/2014/main" id="{C00ED8AC-EB74-406C-AC0A-18F2960C8C99}"/>
+              </a:ext>
+            </a:extLst>
+          </p:cNvPr>
+          <p:cNvSpPr txBox="1"/>
+          <p:nvPr/>
+        </p:nvSpPr>
+        <p:spPr>
+          <a:xfrm>
+            <a:off x="539552" y="2762750"/>
+            <a:ext cx="4464496" cy="2703817"/>
+          </a:xfrm>
+          <a:prstGeom prst="rect">
+            <a:avLst/>
+          </a:prstGeom>
+          <a:noFill/>
+        </p:spPr>
+        <p:txBody>
+          <a:bodyPr wrap="square" rtlCol="0">
+            <a:spAutoFit/>
+          </a:bodyPr>
+          <a:lstStyle/>
+          <a:p>
+            <a:pPr marL="285750" marR="0" indent="-285750">
+              <a:lnSpc>
+                <a:spcPts val="0"/>
+              </a:lnSpc>
+              <a:spcBef>
+                <a:spcPts val="2600"/>
+              </a:spcBef>
+              <a:spcAft>
+                <a:spcPts val="0"/>
+              </a:spcAft>
+              <a:buFont typeface="Arial" panose="020B0604020202020204" pitchFamily="34" charset="0"/>
+              <a:buChar char="•"/>
+            </a:pPr>
+            <a:r>
+              <a:rPr lang="it-IT" dirty="0">
+                <a:solidFill>
+                  <a:srgbClr val="000000"/>
+                </a:solidFill>
+                <a:latin typeface="Times New Roman" panose="02020603050405020304" pitchFamily="18" charset="0"/>
+                <a:cs typeface="Times New Roman" panose="02020603050405020304" pitchFamily="18" charset="0"/>
+              </a:rPr>
+              <a:t>Introduzione</a:t>
+            </a:r>
+          </a:p>
+          <a:p>
+            <a:pPr marL="342900" marR="0" indent="-342900">
+              <a:lnSpc>
+                <a:spcPts val="0"/>
+              </a:lnSpc>
+              <a:spcBef>
+                <a:spcPts val="2600"/>
+              </a:spcBef>
+              <a:spcAft>
+                <a:spcPts val="0"/>
+              </a:spcAft>
+              <a:buFont typeface="Arial" panose="020B0604020202020204" pitchFamily="34" charset="0"/>
+              <a:buChar char="•"/>
+            </a:pPr>
+            <a:r>
+              <a:rPr lang="it-IT" dirty="0">
+                <a:solidFill>
+                  <a:srgbClr val="000000"/>
+                </a:solidFill>
+                <a:latin typeface="Times New Roman" panose="02020603050405020304" pitchFamily="18" charset="0"/>
+                <a:cs typeface="Times New Roman" panose="02020603050405020304" pitchFamily="18" charset="0"/>
+              </a:rPr>
+              <a:t>Analisi:</a:t>
+            </a:r>
+          </a:p>
+          <a:p>
+            <a:pPr marR="0">
+              <a:lnSpc>
+                <a:spcPts val="0"/>
+              </a:lnSpc>
+              <a:spcBef>
+                <a:spcPts val="2600"/>
+              </a:spcBef>
+              <a:spcAft>
+                <a:spcPts val="0"/>
+              </a:spcAft>
+            </a:pPr>
+            <a:r>
+              <a:rPr lang="it-IT" dirty="0">
+                <a:solidFill>
+                  <a:srgbClr val="000000"/>
+                </a:solidFill>
+                <a:latin typeface="Times New Roman" panose="02020603050405020304" pitchFamily="18" charset="0"/>
+                <a:cs typeface="Times New Roman" panose="02020603050405020304" pitchFamily="18" charset="0"/>
+              </a:rPr>
+              <a:t>           1. Definizione del problema</a:t>
+            </a:r>
+          </a:p>
+          <a:p>
+            <a:pPr>
+              <a:lnSpc>
+                <a:spcPts val="0"/>
+              </a:lnSpc>
+              <a:spcBef>
+                <a:spcPts val="2600"/>
+              </a:spcBef>
+            </a:pPr>
+            <a:r>
+              <a:rPr lang="it-IT" dirty="0">
+                <a:solidFill>
+                  <a:srgbClr val="000000"/>
+                </a:solidFill>
+                <a:latin typeface="Times New Roman" panose="02020603050405020304" pitchFamily="18" charset="0"/>
+                <a:cs typeface="Times New Roman" panose="02020603050405020304" pitchFamily="18" charset="0"/>
+              </a:rPr>
+              <a:t>           2. Analisi del dominio</a:t>
+            </a:r>
+          </a:p>
+          <a:p>
+            <a:pPr marL="342900" marR="0" indent="-342900">
+              <a:lnSpc>
+                <a:spcPts val="0"/>
+              </a:lnSpc>
+              <a:spcBef>
+                <a:spcPts val="2600"/>
+              </a:spcBef>
+              <a:spcAft>
+                <a:spcPts val="0"/>
+              </a:spcAft>
+              <a:buFont typeface="Arial" panose="020B0604020202020204" pitchFamily="34" charset="0"/>
+              <a:buChar char="•"/>
+            </a:pPr>
+            <a:r>
+              <a:rPr lang="it-IT" dirty="0">
+                <a:solidFill>
+                  <a:srgbClr val="000000"/>
+                </a:solidFill>
+                <a:latin typeface="Times New Roman" panose="02020603050405020304" pitchFamily="18" charset="0"/>
+                <a:cs typeface="Times New Roman" panose="02020603050405020304" pitchFamily="18" charset="0"/>
+              </a:rPr>
+              <a:t>Tecnologie utilizzate</a:t>
+            </a:r>
+          </a:p>
+          <a:p>
+            <a:pPr marL="342900" marR="0" indent="-342900">
+              <a:lnSpc>
+                <a:spcPts val="0"/>
+              </a:lnSpc>
+              <a:spcBef>
+                <a:spcPts val="2600"/>
+              </a:spcBef>
+              <a:spcAft>
+                <a:spcPts val="0"/>
+              </a:spcAft>
+              <a:buFont typeface="Arial" panose="020B0604020202020204" pitchFamily="34" charset="0"/>
+              <a:buChar char="•"/>
+            </a:pPr>
+            <a:r>
+              <a:rPr lang="it-IT" dirty="0">
+                <a:solidFill>
+                  <a:srgbClr val="000000"/>
+                </a:solidFill>
+                <a:latin typeface="Times New Roman" panose="02020603050405020304" pitchFamily="18" charset="0"/>
+                <a:cs typeface="Times New Roman" panose="02020603050405020304" pitchFamily="18" charset="0"/>
+              </a:rPr>
+              <a:t>Progetto</a:t>
+            </a:r>
+          </a:p>
+          <a:p>
+            <a:pPr marL="342900" marR="0" indent="-342900">
+              <a:lnSpc>
+                <a:spcPts val="0"/>
+              </a:lnSpc>
+              <a:spcBef>
+                <a:spcPts val="2600"/>
+              </a:spcBef>
+              <a:spcAft>
+                <a:spcPts val="0"/>
+              </a:spcAft>
+              <a:buFont typeface="Arial" panose="020B0604020202020204" pitchFamily="34" charset="0"/>
+              <a:buChar char="•"/>
+            </a:pPr>
+            <a:r>
+              <a:rPr lang="it-IT" dirty="0">
+                <a:solidFill>
+                  <a:srgbClr val="000000"/>
+                </a:solidFill>
+                <a:latin typeface="Times New Roman" panose="02020603050405020304" pitchFamily="18" charset="0"/>
+                <a:cs typeface="Times New Roman" panose="02020603050405020304" pitchFamily="18" charset="0"/>
+              </a:rPr>
+              <a:t>Validazione</a:t>
+            </a:r>
+          </a:p>
+          <a:p>
+            <a:pPr marL="342900" marR="0" indent="-342900">
+              <a:lnSpc>
+                <a:spcPts val="0"/>
+              </a:lnSpc>
+              <a:spcBef>
+                <a:spcPts val="2600"/>
+              </a:spcBef>
+              <a:spcAft>
+                <a:spcPts val="0"/>
+              </a:spcAft>
+              <a:buFont typeface="Arial" panose="020B0604020202020204" pitchFamily="34" charset="0"/>
+              <a:buChar char="•"/>
+            </a:pPr>
+            <a:r>
+              <a:rPr lang="it-IT" dirty="0">
+                <a:solidFill>
+                  <a:srgbClr val="000000"/>
+                </a:solidFill>
+                <a:latin typeface="Times New Roman" panose="02020603050405020304" pitchFamily="18" charset="0"/>
+                <a:cs typeface="Times New Roman" panose="02020603050405020304" pitchFamily="18" charset="0"/>
+              </a:rPr>
+              <a:t>Conclusioni e sviluppi futuri</a:t>
+            </a:r>
+          </a:p>
+          <a:p>
+            <a:endParaRPr lang="it-IT" dirty="0"/>
           </a:p>
         </p:txBody>
       </p:sp>
@@ -11571,8 +12167,8 @@
         </p:nvSpPr>
         <p:spPr>
           <a:xfrm>
-            <a:off x="107504" y="1972839"/>
-            <a:ext cx="4765516" cy="4339650"/>
+            <a:off x="381558" y="2623323"/>
+            <a:ext cx="4478474" cy="3785652"/>
           </a:xfrm>
           <a:prstGeom prst="rect">
             <a:avLst/>
@@ -11586,7 +12182,7 @@
           <a:lstStyle/>
           <a:p>
             <a:r>
-              <a:rPr lang="it-IT" sz="2800" b="1" i="1" dirty="0">
+              <a:rPr lang="it-IT" sz="2000" b="1" i="1" dirty="0">
                 <a:solidFill>
                   <a:srgbClr val="0070C0"/>
                 </a:solidFill>
@@ -11597,7 +12193,7 @@
             </a:r>
           </a:p>
           <a:p>
-            <a:endParaRPr lang="it-IT" sz="2800" b="1" i="1" dirty="0">
+            <a:endParaRPr lang="it-IT" sz="2000" b="1" i="1" dirty="0">
               <a:solidFill>
                 <a:srgbClr val="0070C0"/>
               </a:solidFill>
@@ -11606,8 +12202,9 @@
             </a:endParaRPr>
           </a:p>
           <a:p>
-            <a:r>
-              <a:rPr lang="it-IT" sz="2400" i="1" dirty="0">
+            <a:pPr algn="just"/>
+            <a:r>
+              <a:rPr lang="it-IT" sz="2000" i="1" dirty="0">
                 <a:solidFill>
                   <a:srgbClr val="0070C0"/>
                 </a:solidFill>
@@ -11617,13 +12214,13 @@
               <a:t>NEXT </a:t>
             </a:r>
             <a:r>
-              <a:rPr lang="it-IT" sz="2400" dirty="0">
+              <a:rPr lang="it-IT" sz="2000" dirty="0">
                 <a:latin typeface="Times New Roman" panose="02020603050405020304" pitchFamily="18" charset="0"/>
                 <a:cs typeface="Times New Roman" panose="02020603050405020304" pitchFamily="18" charset="0"/>
               </a:rPr>
               <a:t>permette di tenere traccia delle info relative all’orario universitario sul proprio smartwatch.</a:t>
             </a:r>
-            <a:endParaRPr lang="it-IT" sz="2400" i="1" dirty="0">
+            <a:endParaRPr lang="it-IT" sz="2000" i="1" dirty="0">
               <a:solidFill>
                 <a:srgbClr val="0070C0"/>
               </a:solidFill>
@@ -11772,7 +12369,7 @@
         </p:nvSpPr>
         <p:spPr>
           <a:xfrm>
-            <a:off x="7627125" y="6649615"/>
+            <a:off x="7611353" y="6524100"/>
             <a:ext cx="977323" cy="307777"/>
           </a:xfrm>
           <a:prstGeom prst="rect">
@@ -11830,7 +12427,7 @@
         </p:nvSpPr>
         <p:spPr>
           <a:xfrm>
-            <a:off x="0" y="0"/>
+            <a:off x="0" y="-10659"/>
             <a:ext cx="9144000" cy="6858000"/>
           </a:xfrm>
           <a:prstGeom prst="rect">
@@ -12042,7 +12639,7 @@
         </p:nvSpPr>
         <p:spPr>
           <a:xfrm>
-            <a:off x="0" y="764704"/>
+            <a:off x="0" y="746949"/>
             <a:ext cx="9144000" cy="5114910"/>
           </a:xfrm>
           <a:prstGeom prst="rect">
@@ -12079,8 +12676,8 @@
         </p:nvSpPr>
         <p:spPr>
           <a:xfrm>
-            <a:off x="146421" y="2321885"/>
-            <a:ext cx="4716845" cy="2000548"/>
+            <a:off x="539553" y="2978182"/>
+            <a:ext cx="4320480" cy="1323439"/>
           </a:xfrm>
           <a:prstGeom prst="rect">
             <a:avLst/>
@@ -12093,147 +12690,66 @@
           </a:bodyPr>
           <a:lstStyle/>
           <a:p>
-            <a:r>
-              <a:rPr lang="it-IT" sz="2400" i="1" dirty="0">
+            <a:pPr algn="just"/>
+            <a:r>
+              <a:rPr lang="it-IT" sz="2000" i="1" dirty="0">
                 <a:solidFill>
                   <a:srgbClr val="0070C0"/>
                 </a:solidFill>
                 <a:latin typeface="Times New Roman" panose="02020603050405020304" pitchFamily="18" charset="0"/>
                 <a:cs typeface="Times New Roman" panose="02020603050405020304" pitchFamily="18" charset="0"/>
               </a:rPr>
-              <a:t>NEXT</a:t>
-            </a:r>
-            <a:r>
-              <a:rPr lang="it-IT" sz="2800" i="1" dirty="0">
-                <a:solidFill>
-                  <a:srgbClr val="0070C0"/>
-                </a:solidFill>
+              <a:t>NEXT </a:t>
+            </a:r>
+            <a:r>
+              <a:rPr lang="it-IT" sz="2000" dirty="0">
                 <a:latin typeface="Times New Roman" panose="02020603050405020304" pitchFamily="18" charset="0"/>
                 <a:cs typeface="Times New Roman" panose="02020603050405020304" pitchFamily="18" charset="0"/>
               </a:rPr>
-              <a:t> </a:t>
-            </a:r>
-            <a:r>
-              <a:rPr lang="it-IT" sz="2400" dirty="0">
+              <a:t>consiste in un’applicazione per smartwatch con sistema operativo </a:t>
+            </a:r>
+            <a:r>
+              <a:rPr lang="it-IT" sz="2000" i="1" dirty="0">
                 <a:latin typeface="Times New Roman" panose="02020603050405020304" pitchFamily="18" charset="0"/>
                 <a:cs typeface="Times New Roman" panose="02020603050405020304" pitchFamily="18" charset="0"/>
               </a:rPr>
-              <a:t>consiste in un’applicazione per smartwatch con sistema operativo </a:t>
-            </a:r>
-            <a:r>
-              <a:rPr lang="it-IT" sz="2400" i="1" dirty="0">
+              <a:t>Google </a:t>
+            </a:r>
+            <a:r>
+              <a:rPr lang="it-IT" sz="2000" i="1" dirty="0" err="1">
                 <a:latin typeface="Times New Roman" panose="02020603050405020304" pitchFamily="18" charset="0"/>
                 <a:cs typeface="Times New Roman" panose="02020603050405020304" pitchFamily="18" charset="0"/>
               </a:rPr>
-              <a:t>Google </a:t>
-            </a:r>
-            <a:r>
-              <a:rPr lang="it-IT" sz="2400" i="1" dirty="0" err="1">
+              <a:t>WearOS</a:t>
+            </a:r>
+            <a:r>
+              <a:rPr lang="it-IT" sz="2000" i="1" dirty="0">
                 <a:latin typeface="Times New Roman" panose="02020603050405020304" pitchFamily="18" charset="0"/>
                 <a:cs typeface="Times New Roman" panose="02020603050405020304" pitchFamily="18" charset="0"/>
               </a:rPr>
-              <a:t>WearOS</a:t>
-            </a:r>
-            <a:r>
-              <a:rPr lang="it-IT" sz="2400" i="1" dirty="0">
+              <a:t> </a:t>
+            </a:r>
+            <a:r>
+              <a:rPr lang="it-IT" sz="2000" dirty="0">
                 <a:latin typeface="Times New Roman" panose="02020603050405020304" pitchFamily="18" charset="0"/>
                 <a:cs typeface="Times New Roman" panose="02020603050405020304" pitchFamily="18" charset="0"/>
               </a:rPr>
-              <a:t> </a:t>
-            </a:r>
-            <a:r>
-              <a:rPr lang="it-IT" sz="2400" dirty="0">
+              <a:t>e di una sua controparte per dispositivi mobili </a:t>
+            </a:r>
+            <a:r>
+              <a:rPr lang="it-IT" sz="2000" i="1" dirty="0">
                 <a:latin typeface="Times New Roman" panose="02020603050405020304" pitchFamily="18" charset="0"/>
                 <a:cs typeface="Times New Roman" panose="02020603050405020304" pitchFamily="18" charset="0"/>
               </a:rPr>
-              <a:t>e di una sua controparte per dispositivi mobili </a:t>
-            </a:r>
-            <a:r>
-              <a:rPr lang="it-IT" sz="2400" i="1" dirty="0">
-                <a:latin typeface="Times New Roman" panose="02020603050405020304" pitchFamily="18" charset="0"/>
-                <a:cs typeface="Times New Roman" panose="02020603050405020304" pitchFamily="18" charset="0"/>
-              </a:rPr>
               <a:t>Android.</a:t>
             </a:r>
-            <a:endParaRPr lang="it-IT" sz="2400" dirty="0">
+            <a:endParaRPr lang="it-IT" sz="2000" dirty="0">
               <a:latin typeface="Times New Roman" panose="02020603050405020304" pitchFamily="18" charset="0"/>
               <a:cs typeface="Times New Roman" panose="02020603050405020304" pitchFamily="18" charset="0"/>
             </a:endParaRPr>
           </a:p>
         </p:txBody>
       </p:sp>
-      <p:pic>
-        <p:nvPicPr>
-          <p:cNvPr id="19" name="Immagine 18" descr="Immagine che contiene idrante, disegnando&#10;&#10;Descrizione generata automaticamente">
-            <a:extLst>
-              <a:ext uri="{FF2B5EF4-FFF2-40B4-BE49-F238E27FC236}">
-                <a16:creationId xmlns:a16="http://schemas.microsoft.com/office/drawing/2014/main" id="{4D413433-AF8F-4A46-A468-2223E537CDA9}"/>
-              </a:ext>
-            </a:extLst>
-          </p:cNvPr>
-          <p:cNvPicPr>
-            <a:picLocks noChangeAspect="1"/>
-          </p:cNvPicPr>
-          <p:nvPr/>
-        </p:nvPicPr>
-        <p:blipFill>
-          <a:blip r:embed="rId4" cstate="print">
-            <a:extLst>
-              <a:ext uri="{28A0092B-C50C-407E-A947-70E740481C1C}">
-                <a14:useLocalDpi xmlns:a14="http://schemas.microsoft.com/office/drawing/2010/main" val="0"/>
-              </a:ext>
-            </a:extLst>
-          </a:blip>
-          <a:stretch>
-            <a:fillRect/>
-          </a:stretch>
-        </p:blipFill>
-        <p:spPr>
-          <a:xfrm>
-            <a:off x="5076056" y="1304362"/>
-            <a:ext cx="4307040" cy="3391961"/>
-          </a:xfrm>
-          <a:prstGeom prst="rect">
-            <a:avLst/>
-          </a:prstGeom>
-        </p:spPr>
-      </p:pic>
-      <p:pic>
-        <p:nvPicPr>
-          <p:cNvPr id="20" name="Immagine 19" descr="Immagine che contiene disegnando&#10;&#10;Descrizione generata automaticamente">
-            <a:extLst>
-              <a:ext uri="{FF2B5EF4-FFF2-40B4-BE49-F238E27FC236}">
-                <a16:creationId xmlns:a16="http://schemas.microsoft.com/office/drawing/2014/main" id="{6A0B5E7C-C30B-4170-B188-644EB2904826}"/>
-              </a:ext>
-            </a:extLst>
-          </p:cNvPr>
-          <p:cNvPicPr>
-            <a:picLocks noChangeAspect="1"/>
-          </p:cNvPicPr>
-          <p:nvPr/>
-        </p:nvPicPr>
-        <p:blipFill>
-          <a:blip r:embed="rId5">
-            <a:extLst>
-              <a:ext uri="{28A0092B-C50C-407E-A947-70E740481C1C}">
-                <a14:useLocalDpi xmlns:a14="http://schemas.microsoft.com/office/drawing/2010/main" val="0"/>
-              </a:ext>
-            </a:extLst>
-          </a:blip>
-          <a:stretch>
-            <a:fillRect/>
-          </a:stretch>
-        </p:blipFill>
-        <p:spPr>
-          <a:xfrm>
-            <a:off x="5724128" y="4482455"/>
-            <a:ext cx="3220533" cy="1931193"/>
-          </a:xfrm>
-          <a:prstGeom prst="rect">
-            <a:avLst/>
-          </a:prstGeom>
-        </p:spPr>
-      </p:pic>
       <p:sp>
         <p:nvSpPr>
           <p:cNvPr id="21" name="CasellaDiTesto 20">
@@ -12283,7 +12799,7 @@
         </p:nvSpPr>
         <p:spPr>
           <a:xfrm>
-            <a:off x="7627125" y="6635824"/>
+            <a:off x="7627125" y="6556248"/>
             <a:ext cx="977323" cy="307777"/>
           </a:xfrm>
           <a:prstGeom prst="rect">
@@ -12308,6 +12824,83 @@
           </a:p>
         </p:txBody>
       </p:sp>
+      <p:pic>
+        <p:nvPicPr>
+          <p:cNvPr id="6" name="Immagine 5">
+            <a:extLst>
+              <a:ext uri="{FF2B5EF4-FFF2-40B4-BE49-F238E27FC236}">
+                <a16:creationId xmlns:a16="http://schemas.microsoft.com/office/drawing/2014/main" id="{207DBDC3-EB30-4CCC-966B-4981046843DC}"/>
+              </a:ext>
+            </a:extLst>
+          </p:cNvPr>
+          <p:cNvPicPr>
+            <a:picLocks noChangeAspect="1"/>
+          </p:cNvPicPr>
+          <p:nvPr/>
+        </p:nvPicPr>
+        <p:blipFill>
+          <a:blip r:embed="rId4"/>
+          <a:stretch>
+            <a:fillRect/>
+          </a:stretch>
+        </p:blipFill>
+        <p:spPr>
+          <a:xfrm>
+            <a:off x="5076056" y="2978182"/>
+            <a:ext cx="1822892" cy="1510753"/>
+          </a:xfrm>
+          <a:prstGeom prst="rect">
+            <a:avLst/>
+          </a:prstGeom>
+        </p:spPr>
+      </p:pic>
+      <p:pic>
+        <p:nvPicPr>
+          <p:cNvPr id="1030" name="Picture 6" descr="Risultati immagini per android icon png">
+            <a:extLst>
+              <a:ext uri="{FF2B5EF4-FFF2-40B4-BE49-F238E27FC236}">
+                <a16:creationId xmlns:a16="http://schemas.microsoft.com/office/drawing/2014/main" id="{B5D4852B-E3E5-4B6E-B496-6AB4C2527F09}"/>
+              </a:ext>
+            </a:extLst>
+          </p:cNvPr>
+          <p:cNvPicPr>
+            <a:picLocks noChangeAspect="1" noChangeArrowheads="1"/>
+          </p:cNvPicPr>
+          <p:nvPr/>
+        </p:nvPicPr>
+        <p:blipFill>
+          <a:blip r:embed="rId5" cstate="print">
+            <a:extLst>
+              <a:ext uri="{28A0092B-C50C-407E-A947-70E740481C1C}">
+                <a14:useLocalDpi xmlns:a14="http://schemas.microsoft.com/office/drawing/2010/main" val="0"/>
+              </a:ext>
+            </a:extLst>
+          </a:blip>
+          <a:srcRect/>
+          <a:stretch>
+            <a:fillRect/>
+          </a:stretch>
+        </p:blipFill>
+        <p:spPr bwMode="auto">
+          <a:xfrm>
+            <a:off x="6073376" y="2188484"/>
+            <a:ext cx="4193150" cy="3144862"/>
+          </a:xfrm>
+          <a:prstGeom prst="rect">
+            <a:avLst/>
+          </a:prstGeom>
+          <a:noFill/>
+          <a:extLst>
+            <a:ext uri="{909E8E84-426E-40DD-AFC4-6F175D3DCCD1}">
+              <a14:hiddenFill xmlns:a14="http://schemas.microsoft.com/office/drawing/2010/main">
+                <a:solidFill>
+                  <a:srgbClr val="FFFFFF"/>
+                </a:solidFill>
+              </a14:hiddenFill>
+            </a:ext>
+          </a:extLst>
+        </p:spPr>
+      </p:pic>
     </p:spTree>
     <p:extLst>
       <p:ext uri="{BB962C8B-B14F-4D97-AF65-F5344CB8AC3E}">
@@ -12660,7 +13253,7 @@
         </p:blipFill>
         <p:spPr>
           <a:xfrm>
-            <a:off x="-1509080" y="2276872"/>
+            <a:off x="-1472835" y="2263991"/>
             <a:ext cx="4352888" cy="3528392"/>
           </a:xfrm>
           <a:prstGeom prst="rect">
@@ -12689,7 +13282,7 @@
         </p:blipFill>
         <p:spPr>
           <a:xfrm>
-            <a:off x="-1836711" y="1482254"/>
+            <a:off x="-1807585" y="1484784"/>
             <a:ext cx="4815582" cy="2810842"/>
           </a:xfrm>
           <a:prstGeom prst="rect">
@@ -12718,7 +13311,7 @@
         </p:blipFill>
         <p:spPr>
           <a:xfrm>
-            <a:off x="730029" y="2120174"/>
+            <a:off x="766274" y="2107293"/>
             <a:ext cx="2185787" cy="3757097"/>
           </a:xfrm>
           <a:prstGeom prst="roundRect">
@@ -12877,7 +13470,7 @@
         </p:nvSpPr>
         <p:spPr>
           <a:xfrm>
-            <a:off x="7627125" y="6635824"/>
+            <a:off x="7627125" y="6556248"/>
             <a:ext cx="977323" cy="307777"/>
           </a:xfrm>
           <a:prstGeom prst="rect">
@@ -13001,13 +13594,14 @@
                                     <p:cond delay="200"/>
                                   </p:stCondLst>
                                   <p:childTnLst>
-                                    <p:animMotion origin="layout" path="M 0 -0.00274312790102079 L 0 0.13184002870928 E">
+                                    <p:animMotion origin="layout" path="M 5E-6 -0.00278 L 5E-6 0.13194 " rAng="0" ptsTypes="AA">
                                       <p:cBhvr>
                                         <p:cTn id="6" dur="500" fill="hold"/>
                                         <p:tgtEl>
                                           <p:spTgt spid="16"/>
                                         </p:tgtEl>
                                       </p:cBhvr>
+                                      <p:rCtr x="0" y="6736"/>
                                     </p:animMotion>
                                   </p:childTnLst>
                                 </p:cTn>
@@ -13330,8 +13924,8 @@
         </p:blipFill>
         <p:spPr>
           <a:xfrm>
-            <a:off x="539552" y="2378344"/>
-            <a:ext cx="2994872" cy="2994872"/>
+            <a:off x="1036501" y="2582878"/>
+            <a:ext cx="2425916" cy="2560630"/>
           </a:xfrm>
           <a:prstGeom prst="ellipse">
             <a:avLst/>
@@ -13393,8 +13987,8 @@
         </p:blipFill>
         <p:spPr>
           <a:xfrm>
-            <a:off x="435365" y="2454448"/>
-            <a:ext cx="3201670" cy="2842664"/>
+            <a:off x="971600" y="2636912"/>
+            <a:ext cx="2593427" cy="2430491"/>
           </a:xfrm>
           <a:prstGeom prst="rect">
             <a:avLst/>
@@ -13416,7 +14010,7 @@
         <p:spPr>
           <a:xfrm>
             <a:off x="3867791" y="3212976"/>
-            <a:ext cx="5148064" cy="1569660"/>
+            <a:ext cx="4088585" cy="1323439"/>
           </a:xfrm>
           <a:prstGeom prst="rect">
             <a:avLst/>
@@ -13429,8 +14023,9 @@
           </a:bodyPr>
           <a:lstStyle/>
           <a:p>
-            <a:r>
-              <a:rPr lang="it-IT" sz="2400" i="1" dirty="0">
+            <a:pPr algn="just"/>
+            <a:r>
+              <a:rPr lang="it-IT" sz="2000" i="1" dirty="0">
                 <a:solidFill>
                   <a:schemeClr val="accent1">
                     <a:lumMod val="75000"/>
@@ -13442,13 +14037,13 @@
               <a:t>NEXT </a:t>
             </a:r>
             <a:r>
-              <a:rPr lang="it-IT" sz="2400" dirty="0">
+              <a:rPr lang="it-IT" sz="2000" dirty="0">
                 <a:latin typeface="Times New Roman" panose="02020603050405020304" pitchFamily="18" charset="0"/>
                 <a:cs typeface="Times New Roman" panose="02020603050405020304" pitchFamily="18" charset="0"/>
               </a:rPr>
               <a:t>ti permette di avere a portata di smartwatch il tuo orario universitario evitando le azioni di consultazione dello smartphone.</a:t>
             </a:r>
-            <a:endParaRPr lang="it-IT" sz="2400" i="1" dirty="0">
+            <a:endParaRPr lang="it-IT" sz="2000" i="1" dirty="0">
               <a:solidFill>
                 <a:schemeClr val="accent1">
                   <a:lumMod val="75000"/>
@@ -13792,44 +14387,8 @@
         </p:blipFill>
         <p:spPr>
           <a:xfrm>
-            <a:off x="0" y="764704"/>
+            <a:off x="0" y="746949"/>
             <a:ext cx="9144000" cy="5701633"/>
-          </a:xfrm>
-          <a:prstGeom prst="rect">
-            <a:avLst/>
-          </a:prstGeom>
-        </p:spPr>
-      </p:pic>
-      <p:pic>
-        <p:nvPicPr>
-          <p:cNvPr id="14" name="Immagine 13" descr="Immagine che contiene disegnando, gioco&#10;&#10;Descrizione generata automaticamente">
-            <a:extLst>
-              <a:ext uri="{FF2B5EF4-FFF2-40B4-BE49-F238E27FC236}">
-                <a16:creationId xmlns:a16="http://schemas.microsoft.com/office/drawing/2014/main" id="{951CC232-A23B-4D15-AEF6-1B6A5351BC0B}"/>
-              </a:ext>
-            </a:extLst>
-          </p:cNvPr>
-          <p:cNvPicPr>
-            <a:picLocks noChangeAspect="1"/>
-          </p:cNvPicPr>
-          <p:nvPr/>
-        </p:nvPicPr>
-        <p:blipFill>
-          <a:blip r:embed="rId4">
-            <a:extLst>
-              <a:ext uri="{28A0092B-C50C-407E-A947-70E740481C1C}">
-                <a14:useLocalDpi xmlns:a14="http://schemas.microsoft.com/office/drawing/2010/main" val="0"/>
-              </a:ext>
-            </a:extLst>
-          </a:blip>
-          <a:stretch>
-            <a:fillRect/>
-          </a:stretch>
-        </p:blipFill>
-        <p:spPr>
-          <a:xfrm>
-            <a:off x="266735" y="3068960"/>
-            <a:ext cx="3801209" cy="2725395"/>
           </a:xfrm>
           <a:prstGeom prst="rect">
             <a:avLst/>
@@ -13851,7 +14410,7 @@
         <p:spPr>
           <a:xfrm>
             <a:off x="4471856" y="2920082"/>
-            <a:ext cx="4224184" cy="2585323"/>
+            <a:ext cx="4224184" cy="1938992"/>
           </a:xfrm>
           <a:prstGeom prst="rect">
             <a:avLst/>
@@ -13864,7 +14423,7 @@
           </a:bodyPr>
           <a:lstStyle/>
           <a:p>
-            <a:endParaRPr lang="it-IT" dirty="0">
+            <a:endParaRPr lang="it-IT" sz="2000" dirty="0">
               <a:latin typeface="Times New Roman" panose="02020603050405020304" pitchFamily="18" charset="0"/>
               <a:cs typeface="Times New Roman" panose="02020603050405020304" pitchFamily="18" charset="0"/>
             </a:endParaRPr>
@@ -13872,7 +14431,7 @@
           <a:p>
             <a:pPr algn="ctr"/>
             <a:r>
-              <a:rPr lang="it-IT" sz="2400" b="1" i="1" dirty="0">
+              <a:rPr lang="it-IT" sz="2000" b="1" i="1" dirty="0">
                 <a:solidFill>
                   <a:schemeClr val="accent1">
                     <a:lumMod val="50000"/>
@@ -13884,7 +14443,7 @@
               <a:t>Stakeholders principali</a:t>
             </a:r>
             <a:r>
-              <a:rPr lang="it-IT" sz="2400" dirty="0">
+              <a:rPr lang="it-IT" sz="2000" dirty="0">
                 <a:latin typeface="Times New Roman" panose="02020603050405020304" pitchFamily="18" charset="0"/>
                 <a:cs typeface="Times New Roman" panose="02020603050405020304" pitchFamily="18" charset="0"/>
               </a:rPr>
@@ -13894,13 +14453,13 @@
           <a:p>
             <a:pPr algn="just"/>
             <a:r>
-              <a:rPr lang="it-IT" sz="2400" dirty="0">
+              <a:rPr lang="it-IT" sz="2000" dirty="0">
                 <a:latin typeface="Times New Roman" panose="02020603050405020304" pitchFamily="18" charset="0"/>
                 <a:cs typeface="Times New Roman" panose="02020603050405020304" pitchFamily="18" charset="0"/>
               </a:rPr>
               <a:t>Studenti del Politecnico di Bari: sono i principali utilizzatori del servizio e hanno completo accesso alle funzionalità e ai servizi disponibili.</a:t>
             </a:r>
-            <a:endParaRPr lang="it-IT" sz="2400" dirty="0"/>
+            <a:endParaRPr lang="it-IT" sz="2000" dirty="0"/>
           </a:p>
         </p:txBody>
       </p:sp>
@@ -13978,6 +14537,36 @@
           </a:p>
         </p:txBody>
       </p:sp>
+      <p:pic>
+        <p:nvPicPr>
+          <p:cNvPr id="5" name="Immagine 4">
+            <a:extLst>
+              <a:ext uri="{FF2B5EF4-FFF2-40B4-BE49-F238E27FC236}">
+                <a16:creationId xmlns:a16="http://schemas.microsoft.com/office/drawing/2014/main" id="{EE2DF606-015C-4E9F-91CE-16C595093E6A}"/>
+              </a:ext>
+            </a:extLst>
+          </p:cNvPr>
+          <p:cNvPicPr>
+            <a:picLocks noChangeAspect="1"/>
+          </p:cNvPicPr>
+          <p:nvPr/>
+        </p:nvPicPr>
+        <p:blipFill>
+          <a:blip r:embed="rId4"/>
+          <a:stretch>
+            <a:fillRect/>
+          </a:stretch>
+        </p:blipFill>
+        <p:spPr>
+          <a:xfrm>
+            <a:off x="815681" y="2920328"/>
+            <a:ext cx="3333750" cy="2276475"/>
+          </a:xfrm>
+          <a:prstGeom prst="rect">
+            <a:avLst/>
+          </a:prstGeom>
+        </p:spPr>
+      </p:pic>
     </p:spTree>
     <p:extLst>
       <p:ext uri="{BB962C8B-B14F-4D97-AF65-F5344CB8AC3E}">
@@ -14241,7 +14830,7 @@
         </p:blipFill>
         <p:spPr>
           <a:xfrm>
-            <a:off x="0" y="764703"/>
+            <a:off x="-17755" y="755825"/>
             <a:ext cx="9144000" cy="5690975"/>
           </a:xfrm>
           <a:prstGeom prst="rect">
@@ -14263,7 +14852,7 @@
         </p:nvSpPr>
         <p:spPr>
           <a:xfrm>
-            <a:off x="3217385" y="3861048"/>
+            <a:off x="842316" y="2967334"/>
             <a:ext cx="2613756" cy="461665"/>
           </a:xfrm>
           <a:prstGeom prst="rect">
@@ -14320,7 +14909,7 @@
         </p:blipFill>
         <p:spPr>
           <a:xfrm>
-            <a:off x="7236296" y="3517658"/>
+            <a:off x="6685727" y="4449329"/>
             <a:ext cx="1176729" cy="1176729"/>
           </a:xfrm>
           <a:prstGeom prst="rect">
@@ -14328,12 +14917,86 @@
           </a:prstGeom>
         </p:spPr>
       </p:pic>
+      <p:sp>
+        <p:nvSpPr>
+          <p:cNvPr id="22" name="CasellaDiTesto 21">
+            <a:extLst>
+              <a:ext uri="{FF2B5EF4-FFF2-40B4-BE49-F238E27FC236}">
+                <a16:creationId xmlns:a16="http://schemas.microsoft.com/office/drawing/2014/main" id="{409EBEE1-7334-4D8E-BBB5-7AADD5B91247}"/>
+              </a:ext>
+            </a:extLst>
+          </p:cNvPr>
+          <p:cNvSpPr txBox="1"/>
+          <p:nvPr/>
+        </p:nvSpPr>
+        <p:spPr>
+          <a:xfrm>
+            <a:off x="539552" y="6562274"/>
+            <a:ext cx="605528" cy="307777"/>
+          </a:xfrm>
+          <a:prstGeom prst="rect">
+            <a:avLst/>
+          </a:prstGeom>
+          <a:noFill/>
+        </p:spPr>
+        <p:txBody>
+          <a:bodyPr wrap="square" rtlCol="0">
+            <a:spAutoFit/>
+          </a:bodyPr>
+          <a:lstStyle/>
+          <a:p>
+            <a:r>
+              <a:rPr lang="it-IT" sz="1400" dirty="0"/>
+              <a:t>Next</a:t>
+            </a:r>
+          </a:p>
+        </p:txBody>
+      </p:sp>
+      <p:sp>
+        <p:nvSpPr>
+          <p:cNvPr id="23" name="CasellaDiTesto 22">
+            <a:extLst>
+              <a:ext uri="{FF2B5EF4-FFF2-40B4-BE49-F238E27FC236}">
+                <a16:creationId xmlns:a16="http://schemas.microsoft.com/office/drawing/2014/main" id="{F9D8F2E1-09B5-4691-8D0D-DB78369E1055}"/>
+              </a:ext>
+            </a:extLst>
+          </p:cNvPr>
+          <p:cNvSpPr txBox="1"/>
+          <p:nvPr/>
+        </p:nvSpPr>
+        <p:spPr>
+          <a:xfrm>
+            <a:off x="7627125" y="6571835"/>
+            <a:ext cx="977323" cy="307777"/>
+          </a:xfrm>
+          <a:prstGeom prst="rect">
+            <a:avLst/>
+          </a:prstGeom>
+          <a:noFill/>
+        </p:spPr>
+        <p:txBody>
+          <a:bodyPr wrap="square" rtlCol="0">
+            <a:spAutoFit/>
+          </a:bodyPr>
+          <a:lstStyle/>
+          <a:p>
+            <a:pPr algn="ctr"/>
+            <a:r>
+              <a:rPr lang="it-IT" sz="1400" dirty="0">
+                <a:latin typeface="Times New Roman" panose="02020603050405020304" pitchFamily="18" charset="0"/>
+                <a:cs typeface="Times New Roman" panose="02020603050405020304" pitchFamily="18" charset="0"/>
+              </a:rPr>
+              <a:t>T6</a:t>
+            </a:r>
+          </a:p>
+        </p:txBody>
+      </p:sp>
       <p:pic>
         <p:nvPicPr>
-          <p:cNvPr id="14" name="Immagine 13">
+          <p:cNvPr id="11" name="Immagine 10" descr="Immagine che contiene disegnando&#10;&#10;Descrizione generata automaticamente">
             <a:extLst>
               <a:ext uri="{FF2B5EF4-FFF2-40B4-BE49-F238E27FC236}">
-                <a16:creationId xmlns:a16="http://schemas.microsoft.com/office/drawing/2014/main" id="{69F85F9B-0A8F-4383-AD01-59D616C6B84A}"/>
+                <a16:creationId xmlns:a16="http://schemas.microsoft.com/office/drawing/2014/main" id="{55A7DA46-3E40-4354-9CBC-BD1C0511627B}"/>
               </a:ext>
             </a:extLst>
           </p:cNvPr>
@@ -14356,8 +15019,8 @@
         </p:blipFill>
         <p:spPr>
           <a:xfrm>
-            <a:off x="1240218" y="4968671"/>
-            <a:ext cx="2548434" cy="1323225"/>
+            <a:off x="649904" y="4184602"/>
+            <a:ext cx="1704975" cy="1419225"/>
           </a:xfrm>
           <a:prstGeom prst="rect">
             <a:avLst/>
@@ -14366,15 +15029,15 @@
       </p:pic>
       <p:pic>
         <p:nvPicPr>
-          <p:cNvPr id="16" name="Immagine 15" descr="Immagine che contiene disegnando, cibo&#10;&#10;Descrizione generata automaticamente">
+          <p:cNvPr id="3076" name="Picture 4" descr="Risultati immagini per visual paradigm icon png">
             <a:extLst>
               <a:ext uri="{FF2B5EF4-FFF2-40B4-BE49-F238E27FC236}">
-                <a16:creationId xmlns:a16="http://schemas.microsoft.com/office/drawing/2014/main" id="{5622A4B4-ED6A-42F7-BA96-D38EE43C3E59}"/>
+                <a16:creationId xmlns:a16="http://schemas.microsoft.com/office/drawing/2014/main" id="{FD9DC67E-B208-4A91-A2C9-D512FD1A2020}"/>
               </a:ext>
             </a:extLst>
           </p:cNvPr>
           <p:cNvPicPr>
-            <a:picLocks noChangeAspect="1"/>
+            <a:picLocks noChangeAspect="1" noChangeArrowheads="1"/>
           </p:cNvPicPr>
           <p:nvPr/>
         </p:nvPicPr>
@@ -14386,166 +15049,172 @@
               </a:ext>
             </a:extLst>
           </a:blip>
+          <a:srcRect/>
           <a:stretch>
             <a:fillRect/>
           </a:stretch>
         </p:blipFill>
-        <p:spPr>
-          <a:xfrm>
-            <a:off x="595905" y="3153194"/>
-            <a:ext cx="825999" cy="1541193"/>
-          </a:xfrm>
-          <a:prstGeom prst="rect">
-            <a:avLst/>
-          </a:prstGeom>
+        <p:spPr bwMode="auto">
+          <a:xfrm>
+            <a:off x="6592241" y="2747144"/>
+            <a:ext cx="1363702" cy="1363702"/>
+          </a:xfrm>
+          <a:prstGeom prst="rect">
+            <a:avLst/>
+          </a:prstGeom>
+          <a:noFill/>
+          <a:extLst>
+            <a:ext uri="{909E8E84-426E-40DD-AFC4-6F175D3DCCD1}">
+              <a14:hiddenFill xmlns:a14="http://schemas.microsoft.com/office/drawing/2010/main">
+                <a:solidFill>
+                  <a:srgbClr val="FFFFFF"/>
+                </a:solidFill>
+              </a14:hiddenFill>
+            </a:ext>
+          </a:extLst>
         </p:spPr>
       </p:pic>
       <p:pic>
         <p:nvPicPr>
-          <p:cNvPr id="18" name="Immagine 17" descr="Immagine che contiene disegnando&#10;&#10;Descrizione generata automaticamente">
+          <p:cNvPr id="3078" name="Picture 6" descr="Risultati immagini per draw.io icon png">
             <a:extLst>
               <a:ext uri="{FF2B5EF4-FFF2-40B4-BE49-F238E27FC236}">
-                <a16:creationId xmlns:a16="http://schemas.microsoft.com/office/drawing/2014/main" id="{98B4284F-4F0E-4EDE-A700-81418D438BAD}"/>
+                <a16:creationId xmlns:a16="http://schemas.microsoft.com/office/drawing/2014/main" id="{F24B1DBB-4B06-4EC6-B51B-111E47985C6F}"/>
               </a:ext>
             </a:extLst>
           </p:cNvPr>
           <p:cNvPicPr>
-            <a:picLocks noChangeAspect="1"/>
+            <a:picLocks noChangeAspect="1" noChangeArrowheads="1"/>
           </p:cNvPicPr>
           <p:nvPr/>
         </p:nvPicPr>
         <p:blipFill>
-          <a:blip r:embed="rId7">
+          <a:blip r:embed="rId7" cstate="print">
             <a:extLst>
               <a:ext uri="{28A0092B-C50C-407E-A947-70E740481C1C}">
                 <a14:useLocalDpi xmlns:a14="http://schemas.microsoft.com/office/drawing/2010/main" val="0"/>
               </a:ext>
             </a:extLst>
           </a:blip>
+          <a:srcRect/>
           <a:stretch>
             <a:fillRect/>
           </a:stretch>
         </p:blipFill>
-        <p:spPr>
-          <a:xfrm>
-            <a:off x="4766362" y="5243036"/>
-            <a:ext cx="2923643" cy="714812"/>
-          </a:xfrm>
-          <a:prstGeom prst="rect">
-            <a:avLst/>
-          </a:prstGeom>
+        <p:spPr bwMode="auto">
+          <a:xfrm>
+            <a:off x="4901915" y="2940599"/>
+            <a:ext cx="976795" cy="976795"/>
+          </a:xfrm>
+          <a:prstGeom prst="rect">
+            <a:avLst/>
+          </a:prstGeom>
+          <a:noFill/>
+          <a:extLst>
+            <a:ext uri="{909E8E84-426E-40DD-AFC4-6F175D3DCCD1}">
+              <a14:hiddenFill xmlns:a14="http://schemas.microsoft.com/office/drawing/2010/main">
+                <a:solidFill>
+                  <a:srgbClr val="FFFFFF"/>
+                </a:solidFill>
+              </a14:hiddenFill>
+            </a:ext>
+          </a:extLst>
         </p:spPr>
       </p:pic>
       <p:pic>
         <p:nvPicPr>
-          <p:cNvPr id="20" name="Immagine 19" descr="Immagine che contiene disegnando&#10;&#10;Descrizione generata automaticamente">
+          <p:cNvPr id="24" name="Picture 6" descr="Risultati immagini per android icon png">
             <a:extLst>
               <a:ext uri="{FF2B5EF4-FFF2-40B4-BE49-F238E27FC236}">
-                <a16:creationId xmlns:a16="http://schemas.microsoft.com/office/drawing/2014/main" id="{1376C805-9D43-455D-BD41-13A6ED784021}"/>
+                <a16:creationId xmlns:a16="http://schemas.microsoft.com/office/drawing/2014/main" id="{DD87B502-A1F3-4514-A541-93EF66C504AF}"/>
               </a:ext>
             </a:extLst>
           </p:cNvPr>
           <p:cNvPicPr>
-            <a:picLocks noChangeAspect="1"/>
+            <a:picLocks noChangeAspect="1" noChangeArrowheads="1"/>
           </p:cNvPicPr>
           <p:nvPr/>
         </p:nvPicPr>
         <p:blipFill>
-          <a:blip r:embed="rId8">
+          <a:blip r:embed="rId8" cstate="print">
             <a:extLst>
               <a:ext uri="{28A0092B-C50C-407E-A947-70E740481C1C}">
                 <a14:useLocalDpi xmlns:a14="http://schemas.microsoft.com/office/drawing/2010/main" val="0"/>
               </a:ext>
             </a:extLst>
           </a:blip>
+          <a:srcRect/>
           <a:stretch>
             <a:fillRect/>
           </a:stretch>
         </p:blipFill>
-        <p:spPr>
-          <a:xfrm>
-            <a:off x="3424515" y="2260050"/>
-            <a:ext cx="2199496" cy="1319698"/>
-          </a:xfrm>
-          <a:prstGeom prst="rect">
-            <a:avLst/>
-          </a:prstGeom>
+        <p:spPr bwMode="auto">
+          <a:xfrm>
+            <a:off x="1812836" y="3761827"/>
+            <a:ext cx="3052491" cy="2402954"/>
+          </a:xfrm>
+          <a:prstGeom prst="rect">
+            <a:avLst/>
+          </a:prstGeom>
+          <a:noFill/>
+          <a:extLst>
+            <a:ext uri="{909E8E84-426E-40DD-AFC4-6F175D3DCCD1}">
+              <a14:hiddenFill xmlns:a14="http://schemas.microsoft.com/office/drawing/2010/main">
+                <a:solidFill>
+                  <a:srgbClr val="FFFFFF"/>
+                </a:solidFill>
+              </a14:hiddenFill>
+            </a:ext>
+          </a:extLst>
         </p:spPr>
       </p:pic>
-      <p:sp>
-        <p:nvSpPr>
-          <p:cNvPr id="22" name="CasellaDiTesto 21">
+      <p:pic>
+        <p:nvPicPr>
+          <p:cNvPr id="3082" name="Picture 10" descr="Risultati immagini per java icon png">
             <a:extLst>
               <a:ext uri="{FF2B5EF4-FFF2-40B4-BE49-F238E27FC236}">
-                <a16:creationId xmlns:a16="http://schemas.microsoft.com/office/drawing/2014/main" id="{409EBEE1-7334-4D8E-BBB5-7AADD5B91247}"/>
+                <a16:creationId xmlns:a16="http://schemas.microsoft.com/office/drawing/2014/main" id="{871FFDF8-3403-4CA3-BD2E-362911DA45AA}"/>
               </a:ext>
             </a:extLst>
           </p:cNvPr>
-          <p:cNvSpPr txBox="1"/>
-          <p:nvPr/>
-        </p:nvSpPr>
-        <p:spPr>
-          <a:xfrm>
-            <a:off x="539552" y="6562274"/>
-            <a:ext cx="605528" cy="307777"/>
-          </a:xfrm>
-          <a:prstGeom prst="rect">
-            <a:avLst/>
-          </a:prstGeom>
-          <a:noFill/>
-        </p:spPr>
-        <p:txBody>
-          <a:bodyPr wrap="square" rtlCol="0">
-            <a:spAutoFit/>
-          </a:bodyPr>
-          <a:lstStyle/>
-          <a:p>
-            <a:r>
-              <a:rPr lang="it-IT" sz="1400" dirty="0"/>
-              <a:t>Next</a:t>
-            </a:r>
-          </a:p>
-        </p:txBody>
-      </p:sp>
-      <p:sp>
-        <p:nvSpPr>
-          <p:cNvPr id="23" name="CasellaDiTesto 22">
+          <p:cNvPicPr>
+            <a:picLocks noChangeAspect="1" noChangeArrowheads="1"/>
+          </p:cNvPicPr>
+          <p:nvPr/>
+        </p:nvPicPr>
+        <p:blipFill>
+          <a:blip r:embed="rId9">
             <a:extLst>
-              <a:ext uri="{FF2B5EF4-FFF2-40B4-BE49-F238E27FC236}">
-                <a16:creationId xmlns:a16="http://schemas.microsoft.com/office/drawing/2014/main" id="{F9D8F2E1-09B5-4691-8D0D-DB78369E1055}"/>
+              <a:ext uri="{28A0092B-C50C-407E-A947-70E740481C1C}">
+                <a14:useLocalDpi xmlns:a14="http://schemas.microsoft.com/office/drawing/2010/main" val="0"/>
               </a:ext>
             </a:extLst>
-          </p:cNvPr>
-          <p:cNvSpPr txBox="1"/>
-          <p:nvPr/>
-        </p:nvSpPr>
-        <p:spPr>
-          <a:xfrm>
-            <a:off x="7627125" y="6635824"/>
-            <a:ext cx="977323" cy="307777"/>
+          </a:blip>
+          <a:srcRect/>
+          <a:stretch>
+            <a:fillRect/>
+          </a:stretch>
+        </p:blipFill>
+        <p:spPr bwMode="auto">
+          <a:xfrm>
+            <a:off x="4683210" y="4235234"/>
+            <a:ext cx="1414207" cy="1414207"/>
           </a:xfrm>
           <a:prstGeom prst="rect">
             <a:avLst/>
           </a:prstGeom>
           <a:noFill/>
-        </p:spPr>
-        <p:txBody>
-          <a:bodyPr wrap="square" rtlCol="0">
-            <a:spAutoFit/>
-          </a:bodyPr>
-          <a:lstStyle/>
-          <a:p>
-            <a:pPr algn="ctr"/>
-            <a:r>
-              <a:rPr lang="it-IT" sz="1400" dirty="0">
-                <a:latin typeface="Times New Roman" panose="02020603050405020304" pitchFamily="18" charset="0"/>
-                <a:cs typeface="Times New Roman" panose="02020603050405020304" pitchFamily="18" charset="0"/>
-              </a:rPr>
-              <a:t>T6</a:t>
-            </a:r>
-          </a:p>
-        </p:txBody>
-      </p:sp>
+          <a:extLst>
+            <a:ext uri="{909E8E84-426E-40DD-AFC4-6F175D3DCCD1}">
+              <a14:hiddenFill xmlns:a14="http://schemas.microsoft.com/office/drawing/2010/main">
+                <a:solidFill>
+                  <a:srgbClr val="FFFFFF"/>
+                </a:solidFill>
+              </a14:hiddenFill>
+            </a:ext>
+          </a:extLst>
+        </p:spPr>
+      </p:pic>
     </p:spTree>
     <p:extLst>
       <p:ext uri="{BB962C8B-B14F-4D97-AF65-F5344CB8AC3E}">
@@ -14848,7 +15517,7 @@
         </p:blipFill>
         <p:spPr>
           <a:xfrm>
-            <a:off x="438080" y="3401705"/>
+            <a:off x="352933" y="3052648"/>
             <a:ext cx="1778496" cy="1778496"/>
           </a:xfrm>
           <a:prstGeom prst="rect">
@@ -14870,7 +15539,7 @@
         </p:nvSpPr>
         <p:spPr>
           <a:xfrm>
-            <a:off x="606566" y="5423499"/>
+            <a:off x="521419" y="5074442"/>
             <a:ext cx="1441524" cy="461665"/>
           </a:xfrm>
           <a:prstGeom prst="rect">
@@ -14927,7 +15596,7 @@
         </p:blipFill>
         <p:spPr>
           <a:xfrm>
-            <a:off x="6782580" y="3452546"/>
+            <a:off x="6697433" y="3103489"/>
             <a:ext cx="1778496" cy="1778496"/>
           </a:xfrm>
           <a:prstGeom prst="rect">
@@ -14949,7 +15618,7 @@
         </p:nvSpPr>
         <p:spPr>
           <a:xfrm>
-            <a:off x="6776943" y="5423500"/>
+            <a:off x="6691796" y="5074443"/>
             <a:ext cx="1944216" cy="461665"/>
           </a:xfrm>
           <a:prstGeom prst="rect">
@@ -15006,7 +15675,7 @@
         </p:blipFill>
         <p:spPr>
           <a:xfrm>
-            <a:off x="3395877" y="3272665"/>
+            <a:off x="3310730" y="2923608"/>
             <a:ext cx="2143125" cy="2143125"/>
           </a:xfrm>
           <a:prstGeom prst="rect">
@@ -15045,7 +15714,7 @@
         </p:blipFill>
         <p:spPr>
           <a:xfrm>
-            <a:off x="2231799" y="4038511"/>
+            <a:off x="2146652" y="3689454"/>
             <a:ext cx="606566" cy="606566"/>
           </a:xfrm>
           <a:prstGeom prst="rect">
@@ -15084,7 +15753,7 @@
         </p:blipFill>
         <p:spPr>
           <a:xfrm>
-            <a:off x="5857508" y="3987670"/>
+            <a:off x="5772361" y="3638613"/>
             <a:ext cx="606566" cy="606566"/>
           </a:xfrm>
           <a:prstGeom prst="rect">
@@ -15435,16 +16104,302 @@
 </a:theme>
 </file>
 
-<file path=customXml/item1.xml><?xml version="1.0" encoding="utf-8"?>
-<?mso-contentType ?>
-<FormTemplates xmlns="http://schemas.microsoft.com/sharepoint/v3/contenttype/forms">
-  <Display>DocumentLibraryForm</Display>
-  <Edit>DocumentLibraryForm</Edit>
-  <New>DocumentLibraryForm</New>
-</FormTemplates>
+<file path=ppt/theme/theme2.xml><?xml version="1.0" encoding="utf-8"?>
+<a:theme xmlns:a="http://schemas.openxmlformats.org/drawingml/2006/main" name="Tema di Office">
+  <a:themeElements>
+    <a:clrScheme name="Office">
+      <a:dk1>
+        <a:sysClr val="windowText" lastClr="000000"/>
+      </a:dk1>
+      <a:lt1>
+        <a:sysClr val="window" lastClr="FFFFFF"/>
+      </a:lt1>
+      <a:dk2>
+        <a:srgbClr val="44546A"/>
+      </a:dk2>
+      <a:lt2>
+        <a:srgbClr val="E7E6E6"/>
+      </a:lt2>
+      <a:accent1>
+        <a:srgbClr val="4472C4"/>
+      </a:accent1>
+      <a:accent2>
+        <a:srgbClr val="ED7D31"/>
+      </a:accent2>
+      <a:accent3>
+        <a:srgbClr val="A5A5A5"/>
+      </a:accent3>
+      <a:accent4>
+        <a:srgbClr val="FFC000"/>
+      </a:accent4>
+      <a:accent5>
+        <a:srgbClr val="5B9BD5"/>
+      </a:accent5>
+      <a:accent6>
+        <a:srgbClr val="70AD47"/>
+      </a:accent6>
+      <a:hlink>
+        <a:srgbClr val="0563C1"/>
+      </a:hlink>
+      <a:folHlink>
+        <a:srgbClr val="954F72"/>
+      </a:folHlink>
+    </a:clrScheme>
+    <a:fontScheme name="Office">
+      <a:majorFont>
+        <a:latin typeface="Calibri Light" panose="020F0302020204030204"/>
+        <a:ea typeface=""/>
+        <a:cs typeface=""/>
+        <a:font script="Jpan" typeface="游ゴシック Light"/>
+        <a:font script="Hang" typeface="맑은 고딕"/>
+        <a:font script="Hans" typeface="等线 Light"/>
+        <a:font script="Hant" typeface="新細明體"/>
+        <a:font script="Arab" typeface="Times New Roman"/>
+        <a:font script="Hebr" typeface="Times New Roman"/>
+        <a:font script="Thai" typeface="Angsana New"/>
+        <a:font script="Ethi" typeface="Nyala"/>
+        <a:font script="Beng" typeface="Vrinda"/>
+        <a:font script="Gujr" typeface="Shruti"/>
+        <a:font script="Khmr" typeface="MoolBoran"/>
+        <a:font script="Knda" typeface="Tunga"/>
+        <a:font script="Guru" typeface="Raavi"/>
+        <a:font script="Cans" typeface="Euphemia"/>
+        <a:font script="Cher" typeface="Plantagenet Cherokee"/>
+        <a:font script="Yiii" typeface="Microsoft Yi Baiti"/>
+        <a:font script="Tibt" typeface="Microsoft Himalaya"/>
+        <a:font script="Thaa" typeface="MV Boli"/>
+        <a:font script="Deva" typeface="Mangal"/>
+        <a:font script="Telu" typeface="Gautami"/>
+        <a:font script="Taml" typeface="Latha"/>
+        <a:font script="Syrc" typeface="Estrangelo Edessa"/>
+        <a:font script="Orya" typeface="Kalinga"/>
+        <a:font script="Mlym" typeface="Kartika"/>
+        <a:font script="Laoo" typeface="DokChampa"/>
+        <a:font script="Sinh" typeface="Iskoola Pota"/>
+        <a:font script="Mong" typeface="Mongolian Baiti"/>
+        <a:font script="Viet" typeface="Times New Roman"/>
+        <a:font script="Uigh" typeface="Microsoft Uighur"/>
+        <a:font script="Geor" typeface="Sylfaen"/>
+        <a:font script="Armn" typeface="Arial"/>
+        <a:font script="Bugi" typeface="Leelawadee UI"/>
+        <a:font script="Bopo" typeface="Microsoft JhengHei"/>
+        <a:font script="Java" typeface="Javanese Text"/>
+        <a:font script="Lisu" typeface="Segoe UI"/>
+        <a:font script="Mymr" typeface="Myanmar Text"/>
+        <a:font script="Nkoo" typeface="Ebrima"/>
+        <a:font script="Olck" typeface="Nirmala UI"/>
+        <a:font script="Osma" typeface="Ebrima"/>
+        <a:font script="Phag" typeface="Phagspa"/>
+        <a:font script="Syrn" typeface="Estrangelo Edessa"/>
+        <a:font script="Syrj" typeface="Estrangelo Edessa"/>
+        <a:font script="Syre" typeface="Estrangelo Edessa"/>
+        <a:font script="Sora" typeface="Nirmala UI"/>
+        <a:font script="Tale" typeface="Microsoft Tai Le"/>
+        <a:font script="Talu" typeface="Microsoft New Tai Lue"/>
+        <a:font script="Tfng" typeface="Ebrima"/>
+      </a:majorFont>
+      <a:minorFont>
+        <a:latin typeface="Calibri" panose="020F0502020204030204"/>
+        <a:ea typeface=""/>
+        <a:cs typeface=""/>
+        <a:font script="Jpan" typeface="游ゴシック"/>
+        <a:font script="Hang" typeface="맑은 고딕"/>
+        <a:font script="Hans" typeface="等线"/>
+        <a:font script="Hant" typeface="新細明體"/>
+        <a:font script="Arab" typeface="Arial"/>
+        <a:font script="Hebr" typeface="Arial"/>
+        <a:font script="Thai" typeface="Cordia New"/>
+        <a:font script="Ethi" typeface="Nyala"/>
+        <a:font script="Beng" typeface="Vrinda"/>
+        <a:font script="Gujr" typeface="Shruti"/>
+        <a:font script="Khmr" typeface="DaunPenh"/>
+        <a:font script="Knda" typeface="Tunga"/>
+        <a:font script="Guru" typeface="Raavi"/>
+        <a:font script="Cans" typeface="Euphemia"/>
+        <a:font script="Cher" typeface="Plantagenet Cherokee"/>
+        <a:font script="Yiii" typeface="Microsoft Yi Baiti"/>
+        <a:font script="Tibt" typeface="Microsoft Himalaya"/>
+        <a:font script="Thaa" typeface="MV Boli"/>
+        <a:font script="Deva" typeface="Mangal"/>
+        <a:font script="Telu" typeface="Gautami"/>
+        <a:font script="Taml" typeface="Latha"/>
+        <a:font script="Syrc" typeface="Estrangelo Edessa"/>
+        <a:font script="Orya" typeface="Kalinga"/>
+        <a:font script="Mlym" typeface="Kartika"/>
+        <a:font script="Laoo" typeface="DokChampa"/>
+        <a:font script="Sinh" typeface="Iskoola Pota"/>
+        <a:font script="Mong" typeface="Mongolian Baiti"/>
+        <a:font script="Viet" typeface="Arial"/>
+        <a:font script="Uigh" typeface="Microsoft Uighur"/>
+        <a:font script="Geor" typeface="Sylfaen"/>
+        <a:font script="Armn" typeface="Arial"/>
+        <a:font script="Bugi" typeface="Leelawadee UI"/>
+        <a:font script="Bopo" typeface="Microsoft JhengHei"/>
+        <a:font script="Java" typeface="Javanese Text"/>
+        <a:font script="Lisu" typeface="Segoe UI"/>
+        <a:font script="Mymr" typeface="Myanmar Text"/>
+        <a:font script="Nkoo" typeface="Ebrima"/>
+        <a:font script="Olck" typeface="Nirmala UI"/>
+        <a:font script="Osma" typeface="Ebrima"/>
+        <a:font script="Phag" typeface="Phagspa"/>
+        <a:font script="Syrn" typeface="Estrangelo Edessa"/>
+        <a:font script="Syrj" typeface="Estrangelo Edessa"/>
+        <a:font script="Syre" typeface="Estrangelo Edessa"/>
+        <a:font script="Sora" typeface="Nirmala UI"/>
+        <a:font script="Tale" typeface="Microsoft Tai Le"/>
+        <a:font script="Talu" typeface="Microsoft New Tai Lue"/>
+        <a:font script="Tfng" typeface="Ebrima"/>
+      </a:minorFont>
+    </a:fontScheme>
+    <a:fmtScheme name="Office">
+      <a:fillStyleLst>
+        <a:solidFill>
+          <a:schemeClr val="phClr"/>
+        </a:solidFill>
+        <a:gradFill rotWithShape="1">
+          <a:gsLst>
+            <a:gs pos="0">
+              <a:schemeClr val="phClr">
+                <a:lumMod val="110000"/>
+                <a:satMod val="105000"/>
+                <a:tint val="67000"/>
+              </a:schemeClr>
+            </a:gs>
+            <a:gs pos="50000">
+              <a:schemeClr val="phClr">
+                <a:lumMod val="105000"/>
+                <a:satMod val="103000"/>
+                <a:tint val="73000"/>
+              </a:schemeClr>
+            </a:gs>
+            <a:gs pos="100000">
+              <a:schemeClr val="phClr">
+                <a:lumMod val="105000"/>
+                <a:satMod val="109000"/>
+                <a:tint val="81000"/>
+              </a:schemeClr>
+            </a:gs>
+          </a:gsLst>
+          <a:lin ang="5400000" scaled="0"/>
+        </a:gradFill>
+        <a:gradFill rotWithShape="1">
+          <a:gsLst>
+            <a:gs pos="0">
+              <a:schemeClr val="phClr">
+                <a:satMod val="103000"/>
+                <a:lumMod val="102000"/>
+                <a:tint val="94000"/>
+              </a:schemeClr>
+            </a:gs>
+            <a:gs pos="50000">
+              <a:schemeClr val="phClr">
+                <a:satMod val="110000"/>
+                <a:lumMod val="100000"/>
+                <a:shade val="100000"/>
+              </a:schemeClr>
+            </a:gs>
+            <a:gs pos="100000">
+              <a:schemeClr val="phClr">
+                <a:lumMod val="99000"/>
+                <a:satMod val="120000"/>
+                <a:shade val="78000"/>
+              </a:schemeClr>
+            </a:gs>
+          </a:gsLst>
+          <a:lin ang="5400000" scaled="0"/>
+        </a:gradFill>
+      </a:fillStyleLst>
+      <a:lnStyleLst>
+        <a:ln w="6350" cap="flat" cmpd="sng" algn="ctr">
+          <a:solidFill>
+            <a:schemeClr val="phClr"/>
+          </a:solidFill>
+          <a:prstDash val="solid"/>
+          <a:miter lim="800000"/>
+        </a:ln>
+        <a:ln w="12700" cap="flat" cmpd="sng" algn="ctr">
+          <a:solidFill>
+            <a:schemeClr val="phClr"/>
+          </a:solidFill>
+          <a:prstDash val="solid"/>
+          <a:miter lim="800000"/>
+        </a:ln>
+        <a:ln w="19050" cap="flat" cmpd="sng" algn="ctr">
+          <a:solidFill>
+            <a:schemeClr val="phClr"/>
+          </a:solidFill>
+          <a:prstDash val="solid"/>
+          <a:miter lim="800000"/>
+        </a:ln>
+      </a:lnStyleLst>
+      <a:effectStyleLst>
+        <a:effectStyle>
+          <a:effectLst/>
+        </a:effectStyle>
+        <a:effectStyle>
+          <a:effectLst/>
+        </a:effectStyle>
+        <a:effectStyle>
+          <a:effectLst>
+            <a:outerShdw blurRad="57150" dist="19050" dir="5400000" algn="ctr" rotWithShape="0">
+              <a:srgbClr val="000000">
+                <a:alpha val="63000"/>
+              </a:srgbClr>
+            </a:outerShdw>
+          </a:effectLst>
+        </a:effectStyle>
+      </a:effectStyleLst>
+      <a:bgFillStyleLst>
+        <a:solidFill>
+          <a:schemeClr val="phClr"/>
+        </a:solidFill>
+        <a:solidFill>
+          <a:schemeClr val="phClr">
+            <a:tint val="95000"/>
+            <a:satMod val="170000"/>
+          </a:schemeClr>
+        </a:solidFill>
+        <a:gradFill rotWithShape="1">
+          <a:gsLst>
+            <a:gs pos="0">
+              <a:schemeClr val="phClr">
+                <a:tint val="93000"/>
+                <a:satMod val="150000"/>
+                <a:shade val="98000"/>
+                <a:lumMod val="102000"/>
+              </a:schemeClr>
+            </a:gs>
+            <a:gs pos="50000">
+              <a:schemeClr val="phClr">
+                <a:tint val="98000"/>
+                <a:satMod val="130000"/>
+                <a:shade val="90000"/>
+                <a:lumMod val="103000"/>
+              </a:schemeClr>
+            </a:gs>
+            <a:gs pos="100000">
+              <a:schemeClr val="phClr">
+                <a:shade val="63000"/>
+                <a:satMod val="120000"/>
+              </a:schemeClr>
+            </a:gs>
+          </a:gsLst>
+          <a:lin ang="5400000" scaled="0"/>
+        </a:gradFill>
+      </a:bgFillStyleLst>
+    </a:fmtScheme>
+  </a:themeElements>
+  <a:objectDefaults/>
+  <a:extraClrSchemeLst/>
+  <a:extLst>
+    <a:ext uri="{05A4C25C-085E-4340-85A3-A5531E510DB2}">
+      <thm15:themeFamily xmlns:thm15="http://schemas.microsoft.com/office/thememl/2012/main" name="Office Theme" id="{62F939B6-93AF-4DB8-9C6B-D6C7DFDC589F}" vid="{4A3C46E8-61CC-4603-A589-7422A47A8E4A}"/>
+    </a:ext>
+  </a:extLst>
+</a:theme>
 </file>
 
-<file path=customXml/item2.xml><?xml version="1.0" encoding="utf-8"?>
+<file path=customXml/item1.xml><?xml version="1.0" encoding="utf-8"?>
 <ct:contentTypeSchema xmlns:ct="http://schemas.microsoft.com/office/2006/metadata/contentType" xmlns:ma="http://schemas.microsoft.com/office/2006/metadata/properties/metaAttributes" ct:_="" ma:_="" ma:contentTypeName="Documento" ma:contentTypeID="0x010100E288C199B784B643B19DFD8A53516FB2" ma:contentTypeVersion="11" ma:contentTypeDescription="Creare un nuovo documento." ma:contentTypeScope="" ma:versionID="208c2f39183b20f93936fd3901e8d084">
   <xsd:schema xmlns:xsd="http://www.w3.org/2001/XMLSchema" xmlns:xs="http://www.w3.org/2001/XMLSchema" xmlns:p="http://schemas.microsoft.com/office/2006/metadata/properties" xmlns:ns3="771f12f3-248e-4a32-a517-97f765f64462" xmlns:ns4="770ac4fa-5989-4510-a16a-3f90bd5bfaa7" targetNamespace="http://schemas.microsoft.com/office/2006/metadata/properties" ma:root="true" ma:fieldsID="61e6e05a0b20f587ad60a8ff10ec523c" ns3:_="" ns4:_="">
     <xsd:import namespace="771f12f3-248e-4a32-a517-97f765f64462"/>
@@ -15653,6 +16608,15 @@
 </ct:contentTypeSchema>
 </file>
 
+<file path=customXml/item2.xml><?xml version="1.0" encoding="utf-8"?>
+<?mso-contentType ?>
+<FormTemplates xmlns="http://schemas.microsoft.com/sharepoint/v3/contenttype/forms">
+  <Display>DocumentLibraryForm</Display>
+  <Edit>DocumentLibraryForm</Edit>
+  <New>DocumentLibraryForm</New>
+</FormTemplates>
+</file>
+
 <file path=customXml/item3.xml><?xml version="1.0" encoding="utf-8"?>
 <p:properties xmlns:p="http://schemas.microsoft.com/office/2006/metadata/properties" xmlns:xsi="http://www.w3.org/2001/XMLSchema-instance" xmlns:pc="http://schemas.microsoft.com/office/infopath/2007/PartnerControls">
   <documentManagement/>
@@ -15660,14 +16624,6 @@
 </file>
 
 <file path=customXml/itemProps1.xml><?xml version="1.0" encoding="utf-8"?>
-<ds:datastoreItem xmlns:ds="http://schemas.openxmlformats.org/officeDocument/2006/customXml" ds:itemID="{1B7502BE-C44E-497B-96A0-8E49A5A3A0F7}">
-  <ds:schemaRefs>
-    <ds:schemaRef ds:uri="http://schemas.microsoft.com/sharepoint/v3/contenttype/forms"/>
-  </ds:schemaRefs>
-</ds:datastoreItem>
-</file>
-
-<file path=customXml/itemProps2.xml><?xml version="1.0" encoding="utf-8"?>
 <ds:datastoreItem xmlns:ds="http://schemas.openxmlformats.org/officeDocument/2006/customXml" ds:itemID="{B418F13F-FDA1-4889-B50E-ADD437C99699}">
   <ds:schemaRefs>
     <ds:schemaRef ds:uri="http://schemas.microsoft.com/office/2006/metadata/contentType"/>
@@ -15682,6 +16638,14 @@
     <ds:schemaRef ds:uri="http://purl.org/dc/elements/1.1/"/>
     <ds:schemaRef ds:uri="http://purl.org/dc/terms/"/>
     <ds:schemaRef ds:uri="http://schemas.microsoft.com/internal/obd"/>
+  </ds:schemaRefs>
+</ds:datastoreItem>
+</file>
+
+<file path=customXml/itemProps2.xml><?xml version="1.0" encoding="utf-8"?>
+<ds:datastoreItem xmlns:ds="http://schemas.openxmlformats.org/officeDocument/2006/customXml" ds:itemID="{1B7502BE-C44E-497B-96A0-8E49A5A3A0F7}">
+  <ds:schemaRefs>
+    <ds:schemaRef ds:uri="http://schemas.microsoft.com/sharepoint/v3/contenttype/forms"/>
   </ds:schemaRefs>
 </ds:datastoreItem>
 </file>
